--- a/ppt material/Final Presentation Iot IEEE paper.pptx
+++ b/ppt material/Final Presentation Iot IEEE paper.pptx
@@ -6,21 +6,20 @@
   </p:sldMasterIdLst>
   <p:sldIdLst>
     <p:sldId id="343" r:id="rId2"/>
-    <p:sldId id="351" r:id="rId3"/>
-    <p:sldId id="371" r:id="rId4"/>
-    <p:sldId id="368" r:id="rId5"/>
-    <p:sldId id="372" r:id="rId6"/>
-    <p:sldId id="373" r:id="rId7"/>
-    <p:sldId id="356" r:id="rId8"/>
-    <p:sldId id="374" r:id="rId9"/>
-    <p:sldId id="375" r:id="rId10"/>
-    <p:sldId id="376" r:id="rId11"/>
-    <p:sldId id="359" r:id="rId12"/>
-    <p:sldId id="377" r:id="rId13"/>
-    <p:sldId id="378" r:id="rId14"/>
-    <p:sldId id="379" r:id="rId15"/>
-    <p:sldId id="358" r:id="rId16"/>
-    <p:sldId id="367" r:id="rId17"/>
+    <p:sldId id="371" r:id="rId3"/>
+    <p:sldId id="368" r:id="rId4"/>
+    <p:sldId id="372" r:id="rId5"/>
+    <p:sldId id="373" r:id="rId6"/>
+    <p:sldId id="356" r:id="rId7"/>
+    <p:sldId id="374" r:id="rId8"/>
+    <p:sldId id="375" r:id="rId9"/>
+    <p:sldId id="376" r:id="rId10"/>
+    <p:sldId id="359" r:id="rId11"/>
+    <p:sldId id="377" r:id="rId12"/>
+    <p:sldId id="378" r:id="rId13"/>
+    <p:sldId id="379" r:id="rId14"/>
+    <p:sldId id="358" r:id="rId15"/>
+    <p:sldId id="367" r:id="rId16"/>
   </p:sldIdLst>
   <p:sldSz cx="12192000" cy="6858000"/>
   <p:notesSz cx="6858000" cy="9144000"/>
@@ -125,2551 +124,6 @@
     </p:ext>
   </p:extLst>
 </p:presentation>
-</file>
-
-<file path=ppt/diagrams/colors1.xml><?xml version="1.0" encoding="utf-8"?>
-<dgm:colorsDef xmlns:dgm="http://schemas.openxmlformats.org/drawingml/2006/diagram" xmlns:a="http://schemas.openxmlformats.org/drawingml/2006/main" uniqueId="urn:microsoft.com/office/officeart/2005/8/colors/accent1_2">
-  <dgm:title val=""/>
-  <dgm:desc val=""/>
-  <dgm:catLst>
-    <dgm:cat type="accent1" pri="11200"/>
-  </dgm:catLst>
-  <dgm:styleLbl name="node0">
-    <dgm:fillClrLst meth="repeat">
-      <a:schemeClr val="accent1"/>
-    </dgm:fillClrLst>
-    <dgm:linClrLst meth="repeat">
-      <a:schemeClr val="lt1"/>
-    </dgm:linClrLst>
-    <dgm:effectClrLst/>
-    <dgm:txLinClrLst/>
-    <dgm:txFillClrLst/>
-    <dgm:txEffectClrLst/>
-  </dgm:styleLbl>
-  <dgm:styleLbl name="alignNode1">
-    <dgm:fillClrLst meth="repeat">
-      <a:schemeClr val="accent1"/>
-    </dgm:fillClrLst>
-    <dgm:linClrLst meth="repeat">
-      <a:schemeClr val="accent1"/>
-    </dgm:linClrLst>
-    <dgm:effectClrLst/>
-    <dgm:txLinClrLst/>
-    <dgm:txFillClrLst/>
-    <dgm:txEffectClrLst/>
-  </dgm:styleLbl>
-  <dgm:styleLbl name="node1">
-    <dgm:fillClrLst meth="repeat">
-      <a:schemeClr val="accent1"/>
-    </dgm:fillClrLst>
-    <dgm:linClrLst meth="repeat">
-      <a:schemeClr val="lt1"/>
-    </dgm:linClrLst>
-    <dgm:effectClrLst/>
-    <dgm:txLinClrLst/>
-    <dgm:txFillClrLst/>
-    <dgm:txEffectClrLst/>
-  </dgm:styleLbl>
-  <dgm:styleLbl name="lnNode1">
-    <dgm:fillClrLst meth="repeat">
-      <a:schemeClr val="accent1"/>
-    </dgm:fillClrLst>
-    <dgm:linClrLst meth="repeat">
-      <a:schemeClr val="lt1"/>
-    </dgm:linClrLst>
-    <dgm:effectClrLst/>
-    <dgm:txLinClrLst/>
-    <dgm:txFillClrLst/>
-    <dgm:txEffectClrLst/>
-  </dgm:styleLbl>
-  <dgm:styleLbl name="vennNode1">
-    <dgm:fillClrLst meth="repeat">
-      <a:schemeClr val="accent1">
-        <a:alpha val="50000"/>
-      </a:schemeClr>
-    </dgm:fillClrLst>
-    <dgm:linClrLst meth="repeat">
-      <a:schemeClr val="lt1"/>
-    </dgm:linClrLst>
-    <dgm:effectClrLst/>
-    <dgm:txLinClrLst/>
-    <dgm:txFillClrLst/>
-    <dgm:txEffectClrLst/>
-  </dgm:styleLbl>
-  <dgm:styleLbl name="node2">
-    <dgm:fillClrLst meth="repeat">
-      <a:schemeClr val="accent1"/>
-    </dgm:fillClrLst>
-    <dgm:linClrLst meth="repeat">
-      <a:schemeClr val="lt1"/>
-    </dgm:linClrLst>
-    <dgm:effectClrLst/>
-    <dgm:txLinClrLst/>
-    <dgm:txFillClrLst/>
-    <dgm:txEffectClrLst/>
-  </dgm:styleLbl>
-  <dgm:styleLbl name="node3">
-    <dgm:fillClrLst meth="repeat">
-      <a:schemeClr val="accent1"/>
-    </dgm:fillClrLst>
-    <dgm:linClrLst meth="repeat">
-      <a:schemeClr val="lt1"/>
-    </dgm:linClrLst>
-    <dgm:effectClrLst/>
-    <dgm:txLinClrLst/>
-    <dgm:txFillClrLst/>
-    <dgm:txEffectClrLst/>
-  </dgm:styleLbl>
-  <dgm:styleLbl name="node4">
-    <dgm:fillClrLst meth="repeat">
-      <a:schemeClr val="accent1"/>
-    </dgm:fillClrLst>
-    <dgm:linClrLst meth="repeat">
-      <a:schemeClr val="lt1"/>
-    </dgm:linClrLst>
-    <dgm:effectClrLst/>
-    <dgm:txLinClrLst/>
-    <dgm:txFillClrLst/>
-    <dgm:txEffectClrLst/>
-  </dgm:styleLbl>
-  <dgm:styleLbl name="fgImgPlace1">
-    <dgm:fillClrLst meth="repeat">
-      <a:schemeClr val="accent1">
-        <a:tint val="50000"/>
-      </a:schemeClr>
-    </dgm:fillClrLst>
-    <dgm:linClrLst meth="repeat">
-      <a:schemeClr val="lt1"/>
-    </dgm:linClrLst>
-    <dgm:effectClrLst/>
-    <dgm:txLinClrLst/>
-    <dgm:txFillClrLst meth="repeat">
-      <a:schemeClr val="lt1"/>
-    </dgm:txFillClrLst>
-    <dgm:txEffectClrLst/>
-  </dgm:styleLbl>
-  <dgm:styleLbl name="alignImgPlace1">
-    <dgm:fillClrLst meth="repeat">
-      <a:schemeClr val="accent1">
-        <a:tint val="50000"/>
-      </a:schemeClr>
-    </dgm:fillClrLst>
-    <dgm:linClrLst meth="repeat">
-      <a:schemeClr val="lt1"/>
-    </dgm:linClrLst>
-    <dgm:effectClrLst/>
-    <dgm:txLinClrLst/>
-    <dgm:txFillClrLst meth="repeat">
-      <a:schemeClr val="lt1"/>
-    </dgm:txFillClrLst>
-    <dgm:txEffectClrLst/>
-  </dgm:styleLbl>
-  <dgm:styleLbl name="bgImgPlace1">
-    <dgm:fillClrLst meth="repeat">
-      <a:schemeClr val="accent1">
-        <a:tint val="50000"/>
-      </a:schemeClr>
-    </dgm:fillClrLst>
-    <dgm:linClrLst meth="repeat">
-      <a:schemeClr val="lt1"/>
-    </dgm:linClrLst>
-    <dgm:effectClrLst/>
-    <dgm:txLinClrLst/>
-    <dgm:txFillClrLst meth="repeat">
-      <a:schemeClr val="lt1"/>
-    </dgm:txFillClrLst>
-    <dgm:txEffectClrLst/>
-  </dgm:styleLbl>
-  <dgm:styleLbl name="sibTrans2D1">
-    <dgm:fillClrLst meth="repeat">
-      <a:schemeClr val="accent1">
-        <a:tint val="60000"/>
-      </a:schemeClr>
-    </dgm:fillClrLst>
-    <dgm:linClrLst meth="repeat">
-      <a:schemeClr val="accent1">
-        <a:tint val="60000"/>
-      </a:schemeClr>
-    </dgm:linClrLst>
-    <dgm:effectClrLst/>
-    <dgm:txLinClrLst/>
-    <dgm:txFillClrLst/>
-    <dgm:txEffectClrLst/>
-  </dgm:styleLbl>
-  <dgm:styleLbl name="fgSibTrans2D1">
-    <dgm:fillClrLst meth="repeat">
-      <a:schemeClr val="accent1">
-        <a:tint val="60000"/>
-      </a:schemeClr>
-    </dgm:fillClrLst>
-    <dgm:linClrLst meth="repeat">
-      <a:schemeClr val="accent1">
-        <a:tint val="60000"/>
-      </a:schemeClr>
-    </dgm:linClrLst>
-    <dgm:effectClrLst/>
-    <dgm:txLinClrLst/>
-    <dgm:txFillClrLst/>
-    <dgm:txEffectClrLst/>
-  </dgm:styleLbl>
-  <dgm:styleLbl name="bgSibTrans2D1">
-    <dgm:fillClrLst meth="repeat">
-      <a:schemeClr val="accent1">
-        <a:tint val="60000"/>
-      </a:schemeClr>
-    </dgm:fillClrLst>
-    <dgm:linClrLst meth="repeat">
-      <a:schemeClr val="accent1">
-        <a:tint val="60000"/>
-      </a:schemeClr>
-    </dgm:linClrLst>
-    <dgm:effectClrLst/>
-    <dgm:txLinClrLst/>
-    <dgm:txFillClrLst/>
-    <dgm:txEffectClrLst/>
-  </dgm:styleLbl>
-  <dgm:styleLbl name="sibTrans1D1">
-    <dgm:fillClrLst meth="repeat">
-      <a:schemeClr val="accent1"/>
-    </dgm:fillClrLst>
-    <dgm:linClrLst meth="repeat">
-      <a:schemeClr val="accent1"/>
-    </dgm:linClrLst>
-    <dgm:effectClrLst/>
-    <dgm:txLinClrLst/>
-    <dgm:txFillClrLst meth="repeat">
-      <a:schemeClr val="tx1"/>
-    </dgm:txFillClrLst>
-    <dgm:txEffectClrLst/>
-  </dgm:styleLbl>
-  <dgm:styleLbl name="callout">
-    <dgm:fillClrLst meth="repeat">
-      <a:schemeClr val="accent1"/>
-    </dgm:fillClrLst>
-    <dgm:linClrLst meth="repeat">
-      <a:schemeClr val="accent1">
-        <a:tint val="50000"/>
-      </a:schemeClr>
-    </dgm:linClrLst>
-    <dgm:effectClrLst/>
-    <dgm:txLinClrLst/>
-    <dgm:txFillClrLst meth="repeat">
-      <a:schemeClr val="tx1"/>
-    </dgm:txFillClrLst>
-    <dgm:txEffectClrLst/>
-  </dgm:styleLbl>
-  <dgm:styleLbl name="asst0">
-    <dgm:fillClrLst meth="repeat">
-      <a:schemeClr val="accent1"/>
-    </dgm:fillClrLst>
-    <dgm:linClrLst meth="repeat">
-      <a:schemeClr val="lt1"/>
-    </dgm:linClrLst>
-    <dgm:effectClrLst/>
-    <dgm:txLinClrLst/>
-    <dgm:txFillClrLst/>
-    <dgm:txEffectClrLst/>
-  </dgm:styleLbl>
-  <dgm:styleLbl name="asst1">
-    <dgm:fillClrLst meth="repeat">
-      <a:schemeClr val="accent1"/>
-    </dgm:fillClrLst>
-    <dgm:linClrLst meth="repeat">
-      <a:schemeClr val="lt1"/>
-    </dgm:linClrLst>
-    <dgm:effectClrLst/>
-    <dgm:txLinClrLst/>
-    <dgm:txFillClrLst/>
-    <dgm:txEffectClrLst/>
-  </dgm:styleLbl>
-  <dgm:styleLbl name="asst2">
-    <dgm:fillClrLst meth="repeat">
-      <a:schemeClr val="accent1"/>
-    </dgm:fillClrLst>
-    <dgm:linClrLst meth="repeat">
-      <a:schemeClr val="lt1"/>
-    </dgm:linClrLst>
-    <dgm:effectClrLst/>
-    <dgm:txLinClrLst/>
-    <dgm:txFillClrLst/>
-    <dgm:txEffectClrLst/>
-  </dgm:styleLbl>
-  <dgm:styleLbl name="asst3">
-    <dgm:fillClrLst meth="repeat">
-      <a:schemeClr val="accent1"/>
-    </dgm:fillClrLst>
-    <dgm:linClrLst meth="repeat">
-      <a:schemeClr val="lt1"/>
-    </dgm:linClrLst>
-    <dgm:effectClrLst/>
-    <dgm:txLinClrLst/>
-    <dgm:txFillClrLst/>
-    <dgm:txEffectClrLst/>
-  </dgm:styleLbl>
-  <dgm:styleLbl name="asst4">
-    <dgm:fillClrLst meth="repeat">
-      <a:schemeClr val="accent1"/>
-    </dgm:fillClrLst>
-    <dgm:linClrLst meth="repeat">
-      <a:schemeClr val="lt1"/>
-    </dgm:linClrLst>
-    <dgm:effectClrLst/>
-    <dgm:txLinClrLst/>
-    <dgm:txFillClrLst/>
-    <dgm:txEffectClrLst/>
-  </dgm:styleLbl>
-  <dgm:styleLbl name="parChTrans2D1">
-    <dgm:fillClrLst meth="repeat">
-      <a:schemeClr val="accent1">
-        <a:tint val="60000"/>
-      </a:schemeClr>
-    </dgm:fillClrLst>
-    <dgm:linClrLst meth="repeat">
-      <a:schemeClr val="accent1">
-        <a:tint val="60000"/>
-      </a:schemeClr>
-    </dgm:linClrLst>
-    <dgm:effectClrLst/>
-    <dgm:txLinClrLst/>
-    <dgm:txFillClrLst meth="repeat">
-      <a:schemeClr val="lt1"/>
-    </dgm:txFillClrLst>
-    <dgm:txEffectClrLst/>
-  </dgm:styleLbl>
-  <dgm:styleLbl name="parChTrans2D2">
-    <dgm:fillClrLst meth="repeat">
-      <a:schemeClr val="accent1"/>
-    </dgm:fillClrLst>
-    <dgm:linClrLst meth="repeat">
-      <a:schemeClr val="accent1"/>
-    </dgm:linClrLst>
-    <dgm:effectClrLst/>
-    <dgm:txLinClrLst/>
-    <dgm:txFillClrLst meth="repeat">
-      <a:schemeClr val="lt1"/>
-    </dgm:txFillClrLst>
-    <dgm:txEffectClrLst/>
-  </dgm:styleLbl>
-  <dgm:styleLbl name="parChTrans2D3">
-    <dgm:fillClrLst meth="repeat">
-      <a:schemeClr val="accent1"/>
-    </dgm:fillClrLst>
-    <dgm:linClrLst meth="repeat">
-      <a:schemeClr val="accent1"/>
-    </dgm:linClrLst>
-    <dgm:effectClrLst/>
-    <dgm:txLinClrLst/>
-    <dgm:txFillClrLst meth="repeat">
-      <a:schemeClr val="lt1"/>
-    </dgm:txFillClrLst>
-    <dgm:txEffectClrLst/>
-  </dgm:styleLbl>
-  <dgm:styleLbl name="parChTrans2D4">
-    <dgm:fillClrLst meth="repeat">
-      <a:schemeClr val="accent1"/>
-    </dgm:fillClrLst>
-    <dgm:linClrLst meth="repeat">
-      <a:schemeClr val="accent1"/>
-    </dgm:linClrLst>
-    <dgm:effectClrLst/>
-    <dgm:txLinClrLst/>
-    <dgm:txFillClrLst meth="repeat">
-      <a:schemeClr val="lt1"/>
-    </dgm:txFillClrLst>
-    <dgm:txEffectClrLst/>
-  </dgm:styleLbl>
-  <dgm:styleLbl name="parChTrans1D1">
-    <dgm:fillClrLst meth="repeat">
-      <a:schemeClr val="accent1"/>
-    </dgm:fillClrLst>
-    <dgm:linClrLst meth="repeat">
-      <a:schemeClr val="accent1">
-        <a:shade val="60000"/>
-      </a:schemeClr>
-    </dgm:linClrLst>
-    <dgm:effectClrLst/>
-    <dgm:txLinClrLst/>
-    <dgm:txFillClrLst meth="repeat">
-      <a:schemeClr val="tx1"/>
-    </dgm:txFillClrLst>
-    <dgm:txEffectClrLst/>
-  </dgm:styleLbl>
-  <dgm:styleLbl name="parChTrans1D2">
-    <dgm:fillClrLst meth="repeat">
-      <a:schemeClr val="accent1"/>
-    </dgm:fillClrLst>
-    <dgm:linClrLst meth="repeat">
-      <a:schemeClr val="accent1">
-        <a:shade val="60000"/>
-      </a:schemeClr>
-    </dgm:linClrLst>
-    <dgm:effectClrLst/>
-    <dgm:txLinClrLst/>
-    <dgm:txFillClrLst meth="repeat">
-      <a:schemeClr val="tx1"/>
-    </dgm:txFillClrLst>
-    <dgm:txEffectClrLst/>
-  </dgm:styleLbl>
-  <dgm:styleLbl name="parChTrans1D3">
-    <dgm:fillClrLst meth="repeat">
-      <a:schemeClr val="accent1"/>
-    </dgm:fillClrLst>
-    <dgm:linClrLst meth="repeat">
-      <a:schemeClr val="accent1">
-        <a:shade val="80000"/>
-      </a:schemeClr>
-    </dgm:linClrLst>
-    <dgm:effectClrLst/>
-    <dgm:txLinClrLst/>
-    <dgm:txFillClrLst meth="repeat">
-      <a:schemeClr val="tx1"/>
-    </dgm:txFillClrLst>
-    <dgm:txEffectClrLst/>
-  </dgm:styleLbl>
-  <dgm:styleLbl name="parChTrans1D4">
-    <dgm:fillClrLst meth="repeat">
-      <a:schemeClr val="accent1"/>
-    </dgm:fillClrLst>
-    <dgm:linClrLst meth="repeat">
-      <a:schemeClr val="accent1">
-        <a:shade val="80000"/>
-      </a:schemeClr>
-    </dgm:linClrLst>
-    <dgm:effectClrLst/>
-    <dgm:txLinClrLst/>
-    <dgm:txFillClrLst meth="repeat">
-      <a:schemeClr val="tx1"/>
-    </dgm:txFillClrLst>
-    <dgm:txEffectClrLst/>
-  </dgm:styleLbl>
-  <dgm:styleLbl name="fgAcc1">
-    <dgm:fillClrLst meth="repeat">
-      <a:schemeClr val="lt1">
-        <a:alpha val="90000"/>
-      </a:schemeClr>
-    </dgm:fillClrLst>
-    <dgm:linClrLst meth="repeat">
-      <a:schemeClr val="accent1"/>
-    </dgm:linClrLst>
-    <dgm:effectClrLst/>
-    <dgm:txLinClrLst/>
-    <dgm:txFillClrLst meth="repeat">
-      <a:schemeClr val="dk1"/>
-    </dgm:txFillClrLst>
-    <dgm:txEffectClrLst/>
-  </dgm:styleLbl>
-  <dgm:styleLbl name="conFgAcc1">
-    <dgm:fillClrLst meth="repeat">
-      <a:schemeClr val="lt1">
-        <a:alpha val="90000"/>
-      </a:schemeClr>
-    </dgm:fillClrLst>
-    <dgm:linClrLst meth="repeat">
-      <a:schemeClr val="accent1"/>
-    </dgm:linClrLst>
-    <dgm:effectClrLst/>
-    <dgm:txLinClrLst/>
-    <dgm:txFillClrLst meth="repeat">
-      <a:schemeClr val="dk1"/>
-    </dgm:txFillClrLst>
-    <dgm:txEffectClrLst/>
-  </dgm:styleLbl>
-  <dgm:styleLbl name="alignAcc1">
-    <dgm:fillClrLst meth="repeat">
-      <a:schemeClr val="lt1">
-        <a:alpha val="90000"/>
-      </a:schemeClr>
-    </dgm:fillClrLst>
-    <dgm:linClrLst meth="repeat">
-      <a:schemeClr val="accent1"/>
-    </dgm:linClrLst>
-    <dgm:effectClrLst/>
-    <dgm:txLinClrLst/>
-    <dgm:txFillClrLst meth="repeat">
-      <a:schemeClr val="dk1"/>
-    </dgm:txFillClrLst>
-    <dgm:txEffectClrLst/>
-  </dgm:styleLbl>
-  <dgm:styleLbl name="trAlignAcc1">
-    <dgm:fillClrLst meth="repeat">
-      <a:schemeClr val="lt1">
-        <a:alpha val="40000"/>
-      </a:schemeClr>
-    </dgm:fillClrLst>
-    <dgm:linClrLst meth="repeat">
-      <a:schemeClr val="accent1"/>
-    </dgm:linClrLst>
-    <dgm:effectClrLst/>
-    <dgm:txLinClrLst/>
-    <dgm:txFillClrLst meth="repeat">
-      <a:schemeClr val="dk1"/>
-    </dgm:txFillClrLst>
-    <dgm:txEffectClrLst/>
-  </dgm:styleLbl>
-  <dgm:styleLbl name="bgAcc1">
-    <dgm:fillClrLst meth="repeat">
-      <a:schemeClr val="lt1">
-        <a:alpha val="90000"/>
-      </a:schemeClr>
-    </dgm:fillClrLst>
-    <dgm:linClrLst meth="repeat">
-      <a:schemeClr val="accent1"/>
-    </dgm:linClrLst>
-    <dgm:effectClrLst/>
-    <dgm:txLinClrLst/>
-    <dgm:txFillClrLst meth="repeat">
-      <a:schemeClr val="dk1"/>
-    </dgm:txFillClrLst>
-    <dgm:txEffectClrLst/>
-  </dgm:styleLbl>
-  <dgm:styleLbl name="solidFgAcc1">
-    <dgm:fillClrLst meth="repeat">
-      <a:schemeClr val="lt1"/>
-    </dgm:fillClrLst>
-    <dgm:linClrLst meth="repeat">
-      <a:schemeClr val="accent1"/>
-    </dgm:linClrLst>
-    <dgm:effectClrLst/>
-    <dgm:txLinClrLst/>
-    <dgm:txFillClrLst meth="repeat">
-      <a:schemeClr val="dk1"/>
-    </dgm:txFillClrLst>
-    <dgm:txEffectClrLst/>
-  </dgm:styleLbl>
-  <dgm:styleLbl name="solidAlignAcc1">
-    <dgm:fillClrLst meth="repeat">
-      <a:schemeClr val="lt1"/>
-    </dgm:fillClrLst>
-    <dgm:linClrLst meth="repeat">
-      <a:schemeClr val="accent1"/>
-    </dgm:linClrLst>
-    <dgm:effectClrLst/>
-    <dgm:txLinClrLst/>
-    <dgm:txFillClrLst meth="repeat">
-      <a:schemeClr val="dk1"/>
-    </dgm:txFillClrLst>
-    <dgm:txEffectClrLst/>
-  </dgm:styleLbl>
-  <dgm:styleLbl name="solidBgAcc1">
-    <dgm:fillClrLst meth="repeat">
-      <a:schemeClr val="lt1"/>
-    </dgm:fillClrLst>
-    <dgm:linClrLst meth="repeat">
-      <a:schemeClr val="accent1"/>
-    </dgm:linClrLst>
-    <dgm:effectClrLst/>
-    <dgm:txLinClrLst/>
-    <dgm:txFillClrLst meth="repeat">
-      <a:schemeClr val="dk1"/>
-    </dgm:txFillClrLst>
-    <dgm:txEffectClrLst/>
-  </dgm:styleLbl>
-  <dgm:styleLbl name="fgAccFollowNode1">
-    <dgm:fillClrLst meth="repeat">
-      <a:schemeClr val="accent1">
-        <a:alpha val="90000"/>
-        <a:tint val="40000"/>
-      </a:schemeClr>
-    </dgm:fillClrLst>
-    <dgm:linClrLst meth="repeat">
-      <a:schemeClr val="accent1">
-        <a:alpha val="90000"/>
-        <a:tint val="40000"/>
-      </a:schemeClr>
-    </dgm:linClrLst>
-    <dgm:effectClrLst/>
-    <dgm:txLinClrLst/>
-    <dgm:txFillClrLst meth="repeat">
-      <a:schemeClr val="dk1"/>
-    </dgm:txFillClrLst>
-    <dgm:txEffectClrLst/>
-  </dgm:styleLbl>
-  <dgm:styleLbl name="alignAccFollowNode1">
-    <dgm:fillClrLst meth="repeat">
-      <a:schemeClr val="accent1">
-        <a:alpha val="90000"/>
-        <a:tint val="40000"/>
-      </a:schemeClr>
-    </dgm:fillClrLst>
-    <dgm:linClrLst meth="repeat">
-      <a:schemeClr val="accent1">
-        <a:alpha val="90000"/>
-        <a:tint val="40000"/>
-      </a:schemeClr>
-    </dgm:linClrLst>
-    <dgm:effectClrLst/>
-    <dgm:txLinClrLst/>
-    <dgm:txFillClrLst meth="repeat">
-      <a:schemeClr val="dk1"/>
-    </dgm:txFillClrLst>
-    <dgm:txEffectClrLst/>
-  </dgm:styleLbl>
-  <dgm:styleLbl name="bgAccFollowNode1">
-    <dgm:fillClrLst meth="repeat">
-      <a:schemeClr val="accent1">
-        <a:alpha val="90000"/>
-        <a:tint val="40000"/>
-      </a:schemeClr>
-    </dgm:fillClrLst>
-    <dgm:linClrLst meth="repeat">
-      <a:schemeClr val="accent1">
-        <a:alpha val="90000"/>
-        <a:tint val="40000"/>
-      </a:schemeClr>
-    </dgm:linClrLst>
-    <dgm:effectClrLst/>
-    <dgm:txLinClrLst/>
-    <dgm:txFillClrLst meth="repeat">
-      <a:schemeClr val="dk1"/>
-    </dgm:txFillClrLst>
-    <dgm:txEffectClrLst/>
-  </dgm:styleLbl>
-  <dgm:styleLbl name="fgAcc0">
-    <dgm:fillClrLst meth="repeat">
-      <a:schemeClr val="lt1">
-        <a:alpha val="90000"/>
-      </a:schemeClr>
-    </dgm:fillClrLst>
-    <dgm:linClrLst meth="repeat">
-      <a:schemeClr val="accent1"/>
-    </dgm:linClrLst>
-    <dgm:effectClrLst/>
-    <dgm:txLinClrLst/>
-    <dgm:txFillClrLst meth="repeat">
-      <a:schemeClr val="dk1"/>
-    </dgm:txFillClrLst>
-    <dgm:txEffectClrLst/>
-  </dgm:styleLbl>
-  <dgm:styleLbl name="fgAcc2">
-    <dgm:fillClrLst meth="repeat">
-      <a:schemeClr val="lt1">
-        <a:alpha val="90000"/>
-      </a:schemeClr>
-    </dgm:fillClrLst>
-    <dgm:linClrLst meth="repeat">
-      <a:schemeClr val="accent1"/>
-    </dgm:linClrLst>
-    <dgm:effectClrLst/>
-    <dgm:txLinClrLst/>
-    <dgm:txFillClrLst meth="repeat">
-      <a:schemeClr val="dk1"/>
-    </dgm:txFillClrLst>
-    <dgm:txEffectClrLst/>
-  </dgm:styleLbl>
-  <dgm:styleLbl name="fgAcc3">
-    <dgm:fillClrLst meth="repeat">
-      <a:schemeClr val="lt1">
-        <a:alpha val="90000"/>
-      </a:schemeClr>
-    </dgm:fillClrLst>
-    <dgm:linClrLst meth="repeat">
-      <a:schemeClr val="accent1"/>
-    </dgm:linClrLst>
-    <dgm:effectClrLst/>
-    <dgm:txLinClrLst/>
-    <dgm:txFillClrLst meth="repeat">
-      <a:schemeClr val="dk1"/>
-    </dgm:txFillClrLst>
-    <dgm:txEffectClrLst/>
-  </dgm:styleLbl>
-  <dgm:styleLbl name="fgAcc4">
-    <dgm:fillClrLst meth="repeat">
-      <a:schemeClr val="lt1">
-        <a:alpha val="90000"/>
-      </a:schemeClr>
-    </dgm:fillClrLst>
-    <dgm:linClrLst meth="repeat">
-      <a:schemeClr val="accent1"/>
-    </dgm:linClrLst>
-    <dgm:effectClrLst/>
-    <dgm:txLinClrLst/>
-    <dgm:txFillClrLst meth="repeat">
-      <a:schemeClr val="dk1"/>
-    </dgm:txFillClrLst>
-    <dgm:txEffectClrLst/>
-  </dgm:styleLbl>
-  <dgm:styleLbl name="bgShp">
-    <dgm:fillClrLst meth="repeat">
-      <a:schemeClr val="accent1">
-        <a:tint val="40000"/>
-      </a:schemeClr>
-    </dgm:fillClrLst>
-    <dgm:linClrLst meth="repeat">
-      <a:schemeClr val="accent1"/>
-    </dgm:linClrLst>
-    <dgm:effectClrLst/>
-    <dgm:txLinClrLst/>
-    <dgm:txFillClrLst meth="repeat">
-      <a:schemeClr val="dk1"/>
-    </dgm:txFillClrLst>
-    <dgm:txEffectClrLst/>
-  </dgm:styleLbl>
-  <dgm:styleLbl name="dkBgShp">
-    <dgm:fillClrLst meth="repeat">
-      <a:schemeClr val="accent1">
-        <a:shade val="80000"/>
-      </a:schemeClr>
-    </dgm:fillClrLst>
-    <dgm:linClrLst meth="repeat">
-      <a:schemeClr val="accent1"/>
-    </dgm:linClrLst>
-    <dgm:effectClrLst/>
-    <dgm:txLinClrLst/>
-    <dgm:txFillClrLst meth="repeat">
-      <a:schemeClr val="lt1"/>
-    </dgm:txFillClrLst>
-    <dgm:txEffectClrLst/>
-  </dgm:styleLbl>
-  <dgm:styleLbl name="trBgShp">
-    <dgm:fillClrLst meth="repeat">
-      <a:schemeClr val="accent1">
-        <a:tint val="50000"/>
-        <a:alpha val="40000"/>
-      </a:schemeClr>
-    </dgm:fillClrLst>
-    <dgm:linClrLst meth="repeat">
-      <a:schemeClr val="accent1"/>
-    </dgm:linClrLst>
-    <dgm:effectClrLst/>
-    <dgm:txLinClrLst/>
-    <dgm:txFillClrLst meth="repeat">
-      <a:schemeClr val="lt1"/>
-    </dgm:txFillClrLst>
-    <dgm:txEffectClrLst/>
-  </dgm:styleLbl>
-  <dgm:styleLbl name="fgShp">
-    <dgm:fillClrLst meth="repeat">
-      <a:schemeClr val="accent1">
-        <a:tint val="60000"/>
-      </a:schemeClr>
-    </dgm:fillClrLst>
-    <dgm:linClrLst meth="repeat">
-      <a:schemeClr val="lt1"/>
-    </dgm:linClrLst>
-    <dgm:effectClrLst/>
-    <dgm:txLinClrLst/>
-    <dgm:txFillClrLst meth="repeat">
-      <a:schemeClr val="dk1"/>
-    </dgm:txFillClrLst>
-    <dgm:txEffectClrLst/>
-  </dgm:styleLbl>
-  <dgm:styleLbl name="revTx">
-    <dgm:fillClrLst meth="repeat">
-      <a:schemeClr val="lt1">
-        <a:alpha val="0"/>
-      </a:schemeClr>
-    </dgm:fillClrLst>
-    <dgm:linClrLst meth="repeat">
-      <a:schemeClr val="dk1">
-        <a:alpha val="0"/>
-      </a:schemeClr>
-    </dgm:linClrLst>
-    <dgm:effectClrLst/>
-    <dgm:txLinClrLst/>
-    <dgm:txFillClrLst meth="repeat">
-      <a:schemeClr val="tx1"/>
-    </dgm:txFillClrLst>
-    <dgm:txEffectClrLst/>
-  </dgm:styleLbl>
-</dgm:colorsDef>
-</file>
-
-<file path=ppt/diagrams/data1.xml><?xml version="1.0" encoding="utf-8"?>
-<dgm:dataModel xmlns:dgm="http://schemas.openxmlformats.org/drawingml/2006/diagram" xmlns:a="http://schemas.openxmlformats.org/drawingml/2006/main">
-  <dgm:ptLst>
-    <dgm:pt modelId="{71098DBB-7712-4B7A-A206-F03E3FD9CCE8}" type="doc">
-      <dgm:prSet loTypeId="urn:microsoft.com/office/officeart/2005/8/layout/default" loCatId="list" qsTypeId="urn:microsoft.com/office/officeart/2005/8/quickstyle/simple1" qsCatId="simple" csTypeId="urn:microsoft.com/office/officeart/2005/8/colors/accent1_2" csCatId="accent1" phldr="1"/>
-      <dgm:spPr/>
-      <dgm:t>
-        <a:bodyPr/>
-        <a:lstStyle/>
-        <a:p>
-          <a:endParaRPr lang="en-IN"/>
-        </a:p>
-      </dgm:t>
-    </dgm:pt>
-    <dgm:pt modelId="{9B9AAEED-5484-45D3-B7DD-E9B00E21EDA4}">
-      <dgm:prSet phldrT="[Text]" custT="1"/>
-      <dgm:spPr/>
-      <dgm:t>
-        <a:bodyPr/>
-        <a:lstStyle/>
-        <a:p>
-          <a:r>
-            <a:rPr lang="en-US" sz="1900" b="0" i="0" u="none" dirty="0">
-              <a:solidFill>
-                <a:schemeClr val="tx1"/>
-              </a:solidFill>
-            </a:rPr>
-            <a:t>Less Productivity in Agriculture Sectors( 50 % workforce contributes 16% to the GDP).</a:t>
-          </a:r>
-          <a:endParaRPr lang="en-IN" sz="1900" dirty="0">
-            <a:solidFill>
-              <a:schemeClr val="tx1"/>
-            </a:solidFill>
-          </a:endParaRPr>
-        </a:p>
-      </dgm:t>
-    </dgm:pt>
-    <dgm:pt modelId="{86CE2548-25F7-4FD3-90B1-BC3366676623}" type="parTrans" cxnId="{A11690EC-FCF2-4214-85B4-30EE580745AC}">
-      <dgm:prSet/>
-      <dgm:spPr/>
-      <dgm:t>
-        <a:bodyPr/>
-        <a:lstStyle/>
-        <a:p>
-          <a:endParaRPr lang="en-IN"/>
-        </a:p>
-      </dgm:t>
-    </dgm:pt>
-    <dgm:pt modelId="{3517B283-8E3D-4149-8FDC-A72FC4C0D7B2}" type="sibTrans" cxnId="{A11690EC-FCF2-4214-85B4-30EE580745AC}">
-      <dgm:prSet/>
-      <dgm:spPr/>
-      <dgm:t>
-        <a:bodyPr/>
-        <a:lstStyle/>
-        <a:p>
-          <a:endParaRPr lang="en-IN"/>
-        </a:p>
-      </dgm:t>
-    </dgm:pt>
-    <dgm:pt modelId="{EA5F2BA9-5BBD-4783-A23B-2DD42476D8ED}">
-      <dgm:prSet custT="1"/>
-      <dgm:spPr/>
-      <dgm:t>
-        <a:bodyPr/>
-        <a:lstStyle/>
-        <a:p>
-          <a:pPr>
-            <a:buFont typeface="+mj-lt"/>
-            <a:buAutoNum type="arabicPeriod"/>
-          </a:pPr>
-          <a:r>
-            <a:rPr lang="en-US" sz="1900" b="0" i="0" u="none" dirty="0">
-              <a:solidFill>
-                <a:schemeClr val="tx1"/>
-              </a:solidFill>
-            </a:rPr>
-            <a:t>Growing needs due to ever growing population</a:t>
-          </a:r>
-        </a:p>
-      </dgm:t>
-    </dgm:pt>
-    <dgm:pt modelId="{385D0D18-0723-4A2A-AC8E-142E45AF310D}" type="parTrans" cxnId="{779EB755-30C3-4CC7-87CA-ED94C78790EA}">
-      <dgm:prSet/>
-      <dgm:spPr/>
-      <dgm:t>
-        <a:bodyPr/>
-        <a:lstStyle/>
-        <a:p>
-          <a:endParaRPr lang="en-IN"/>
-        </a:p>
-      </dgm:t>
-    </dgm:pt>
-    <dgm:pt modelId="{FFF95BFC-649B-48DD-B637-29B9D9FA11CE}" type="sibTrans" cxnId="{779EB755-30C3-4CC7-87CA-ED94C78790EA}">
-      <dgm:prSet/>
-      <dgm:spPr/>
-      <dgm:t>
-        <a:bodyPr/>
-        <a:lstStyle/>
-        <a:p>
-          <a:endParaRPr lang="en-IN"/>
-        </a:p>
-      </dgm:t>
-    </dgm:pt>
-    <dgm:pt modelId="{4E3E051A-2970-42F3-9FC7-B49FC5BC8A8E}">
-      <dgm:prSet custT="1"/>
-      <dgm:spPr/>
-      <dgm:t>
-        <a:bodyPr/>
-        <a:lstStyle/>
-        <a:p>
-          <a:pPr>
-            <a:buFont typeface="+mj-lt"/>
-            <a:buAutoNum type="arabicPeriod"/>
-          </a:pPr>
-          <a:r>
-            <a:rPr lang="en-US" sz="1900" b="0" i="0" u="none" dirty="0">
-              <a:solidFill>
-                <a:schemeClr val="tx1"/>
-              </a:solidFill>
-            </a:rPr>
-            <a:t>Lab tests are expensive, time consuming and generally not feasible for farmers.</a:t>
-          </a:r>
-        </a:p>
-      </dgm:t>
-    </dgm:pt>
-    <dgm:pt modelId="{37783410-33F3-481C-88D2-E68479AAD051}" type="parTrans" cxnId="{27E0F4C0-5C83-400C-99EB-4839017402C4}">
-      <dgm:prSet/>
-      <dgm:spPr/>
-      <dgm:t>
-        <a:bodyPr/>
-        <a:lstStyle/>
-        <a:p>
-          <a:endParaRPr lang="en-IN"/>
-        </a:p>
-      </dgm:t>
-    </dgm:pt>
-    <dgm:pt modelId="{4E7AFA29-EC0B-4456-BDF4-218AF7A1E070}" type="sibTrans" cxnId="{27E0F4C0-5C83-400C-99EB-4839017402C4}">
-      <dgm:prSet/>
-      <dgm:spPr/>
-      <dgm:t>
-        <a:bodyPr/>
-        <a:lstStyle/>
-        <a:p>
-          <a:endParaRPr lang="en-IN"/>
-        </a:p>
-      </dgm:t>
-    </dgm:pt>
-    <dgm:pt modelId="{2D557B80-2922-4728-AFC4-12B90197B1BF}">
-      <dgm:prSet custT="1"/>
-      <dgm:spPr/>
-      <dgm:t>
-        <a:bodyPr/>
-        <a:lstStyle/>
-        <a:p>
-          <a:pPr algn="l">
-            <a:buFont typeface="+mj-lt"/>
-            <a:buAutoNum type="arabicPeriod"/>
-          </a:pPr>
-          <a:r>
-            <a:rPr lang="en-US" sz="1800" b="0" i="0" u="none" dirty="0">
-              <a:solidFill>
-                <a:schemeClr val="tx1"/>
-              </a:solidFill>
-            </a:rPr>
-            <a:t>IoT sensors can be used to measure gather data in bulk which can be  analyzed using various AI techniques for increased productivity and quality.</a:t>
-          </a:r>
-        </a:p>
-      </dgm:t>
-    </dgm:pt>
-    <dgm:pt modelId="{C97982D5-37BC-4C5E-A7A6-7C71F6AE675C}" type="parTrans" cxnId="{0E04E382-3E7E-49B4-8F76-28877BCC7A39}">
-      <dgm:prSet/>
-      <dgm:spPr/>
-      <dgm:t>
-        <a:bodyPr/>
-        <a:lstStyle/>
-        <a:p>
-          <a:endParaRPr lang="en-IN"/>
-        </a:p>
-      </dgm:t>
-    </dgm:pt>
-    <dgm:pt modelId="{2217EE01-5A98-40F1-A0A6-424B21098A4D}" type="sibTrans" cxnId="{0E04E382-3E7E-49B4-8F76-28877BCC7A39}">
-      <dgm:prSet/>
-      <dgm:spPr/>
-      <dgm:t>
-        <a:bodyPr/>
-        <a:lstStyle/>
-        <a:p>
-          <a:endParaRPr lang="en-IN"/>
-        </a:p>
-      </dgm:t>
-    </dgm:pt>
-    <dgm:pt modelId="{314624B9-E16A-4475-86A5-CA4CC68AE24E}" type="pres">
-      <dgm:prSet presAssocID="{71098DBB-7712-4B7A-A206-F03E3FD9CCE8}" presName="diagram" presStyleCnt="0">
-        <dgm:presLayoutVars>
-          <dgm:dir/>
-          <dgm:resizeHandles val="exact"/>
-        </dgm:presLayoutVars>
-      </dgm:prSet>
-      <dgm:spPr/>
-    </dgm:pt>
-    <dgm:pt modelId="{F82E1021-4055-42CE-BC4F-1538CB7F8D93}" type="pres">
-      <dgm:prSet presAssocID="{9B9AAEED-5484-45D3-B7DD-E9B00E21EDA4}" presName="node" presStyleLbl="node1" presStyleIdx="0" presStyleCnt="4">
-        <dgm:presLayoutVars>
-          <dgm:bulletEnabled val="1"/>
-        </dgm:presLayoutVars>
-      </dgm:prSet>
-      <dgm:spPr/>
-    </dgm:pt>
-    <dgm:pt modelId="{1A8FC656-B0D2-46BC-91ED-797AEC896347}" type="pres">
-      <dgm:prSet presAssocID="{3517B283-8E3D-4149-8FDC-A72FC4C0D7B2}" presName="sibTrans" presStyleCnt="0"/>
-      <dgm:spPr/>
-    </dgm:pt>
-    <dgm:pt modelId="{8F2F1715-E4DC-4648-9E17-C0260F5C52D6}" type="pres">
-      <dgm:prSet presAssocID="{EA5F2BA9-5BBD-4783-A23B-2DD42476D8ED}" presName="node" presStyleLbl="node1" presStyleIdx="1" presStyleCnt="4">
-        <dgm:presLayoutVars>
-          <dgm:bulletEnabled val="1"/>
-        </dgm:presLayoutVars>
-      </dgm:prSet>
-      <dgm:spPr/>
-    </dgm:pt>
-    <dgm:pt modelId="{22B3AC32-AB94-4F8A-B31D-C9DABC608910}" type="pres">
-      <dgm:prSet presAssocID="{FFF95BFC-649B-48DD-B637-29B9D9FA11CE}" presName="sibTrans" presStyleCnt="0"/>
-      <dgm:spPr/>
-    </dgm:pt>
-    <dgm:pt modelId="{75D80726-7DD2-4CED-8467-8993371C1CEF}" type="pres">
-      <dgm:prSet presAssocID="{4E3E051A-2970-42F3-9FC7-B49FC5BC8A8E}" presName="node" presStyleLbl="node1" presStyleIdx="2" presStyleCnt="4">
-        <dgm:presLayoutVars>
-          <dgm:bulletEnabled val="1"/>
-        </dgm:presLayoutVars>
-      </dgm:prSet>
-      <dgm:spPr/>
-    </dgm:pt>
-    <dgm:pt modelId="{93121806-8206-4A0A-A4A5-0E5E5C447808}" type="pres">
-      <dgm:prSet presAssocID="{4E7AFA29-EC0B-4456-BDF4-218AF7A1E070}" presName="sibTrans" presStyleCnt="0"/>
-      <dgm:spPr/>
-    </dgm:pt>
-    <dgm:pt modelId="{DAFB3613-1D8E-4C83-88B4-BE519EFCD618}" type="pres">
-      <dgm:prSet presAssocID="{2D557B80-2922-4728-AFC4-12B90197B1BF}" presName="node" presStyleLbl="node1" presStyleIdx="3" presStyleCnt="4">
-        <dgm:presLayoutVars>
-          <dgm:bulletEnabled val="1"/>
-        </dgm:presLayoutVars>
-      </dgm:prSet>
-      <dgm:spPr/>
-    </dgm:pt>
-  </dgm:ptLst>
-  <dgm:cxnLst>
-    <dgm:cxn modelId="{AD4AD306-1EF7-4687-BB96-8EF583D090B5}" type="presOf" srcId="{EA5F2BA9-5BBD-4783-A23B-2DD42476D8ED}" destId="{8F2F1715-E4DC-4648-9E17-C0260F5C52D6}" srcOrd="0" destOrd="0" presId="urn:microsoft.com/office/officeart/2005/8/layout/default"/>
-    <dgm:cxn modelId="{DEFCBF26-C991-4632-90F2-C5E5CD67EC12}" type="presOf" srcId="{71098DBB-7712-4B7A-A206-F03E3FD9CCE8}" destId="{314624B9-E16A-4475-86A5-CA4CC68AE24E}" srcOrd="0" destOrd="0" presId="urn:microsoft.com/office/officeart/2005/8/layout/default"/>
-    <dgm:cxn modelId="{BB46FD5D-639A-46F7-A6E3-4F637F38AEE5}" type="presOf" srcId="{4E3E051A-2970-42F3-9FC7-B49FC5BC8A8E}" destId="{75D80726-7DD2-4CED-8467-8993371C1CEF}" srcOrd="0" destOrd="0" presId="urn:microsoft.com/office/officeart/2005/8/layout/default"/>
-    <dgm:cxn modelId="{779EB755-30C3-4CC7-87CA-ED94C78790EA}" srcId="{71098DBB-7712-4B7A-A206-F03E3FD9CCE8}" destId="{EA5F2BA9-5BBD-4783-A23B-2DD42476D8ED}" srcOrd="1" destOrd="0" parTransId="{385D0D18-0723-4A2A-AC8E-142E45AF310D}" sibTransId="{FFF95BFC-649B-48DD-B637-29B9D9FA11CE}"/>
-    <dgm:cxn modelId="{0E04E382-3E7E-49B4-8F76-28877BCC7A39}" srcId="{71098DBB-7712-4B7A-A206-F03E3FD9CCE8}" destId="{2D557B80-2922-4728-AFC4-12B90197B1BF}" srcOrd="3" destOrd="0" parTransId="{C97982D5-37BC-4C5E-A7A6-7C71F6AE675C}" sibTransId="{2217EE01-5A98-40F1-A0A6-424B21098A4D}"/>
-    <dgm:cxn modelId="{180317B8-BD8B-48D1-9C76-C6F39758E410}" type="presOf" srcId="{9B9AAEED-5484-45D3-B7DD-E9B00E21EDA4}" destId="{F82E1021-4055-42CE-BC4F-1538CB7F8D93}" srcOrd="0" destOrd="0" presId="urn:microsoft.com/office/officeart/2005/8/layout/default"/>
-    <dgm:cxn modelId="{27E0F4C0-5C83-400C-99EB-4839017402C4}" srcId="{71098DBB-7712-4B7A-A206-F03E3FD9CCE8}" destId="{4E3E051A-2970-42F3-9FC7-B49FC5BC8A8E}" srcOrd="2" destOrd="0" parTransId="{37783410-33F3-481C-88D2-E68479AAD051}" sibTransId="{4E7AFA29-EC0B-4456-BDF4-218AF7A1E070}"/>
-    <dgm:cxn modelId="{A11690EC-FCF2-4214-85B4-30EE580745AC}" srcId="{71098DBB-7712-4B7A-A206-F03E3FD9CCE8}" destId="{9B9AAEED-5484-45D3-B7DD-E9B00E21EDA4}" srcOrd="0" destOrd="0" parTransId="{86CE2548-25F7-4FD3-90B1-BC3366676623}" sibTransId="{3517B283-8E3D-4149-8FDC-A72FC4C0D7B2}"/>
-    <dgm:cxn modelId="{BEC94AFC-79B3-4565-B060-23B386AD7059}" type="presOf" srcId="{2D557B80-2922-4728-AFC4-12B90197B1BF}" destId="{DAFB3613-1D8E-4C83-88B4-BE519EFCD618}" srcOrd="0" destOrd="0" presId="urn:microsoft.com/office/officeart/2005/8/layout/default"/>
-    <dgm:cxn modelId="{1A39643C-5142-41D0-AF47-A86B1E803339}" type="presParOf" srcId="{314624B9-E16A-4475-86A5-CA4CC68AE24E}" destId="{F82E1021-4055-42CE-BC4F-1538CB7F8D93}" srcOrd="0" destOrd="0" presId="urn:microsoft.com/office/officeart/2005/8/layout/default"/>
-    <dgm:cxn modelId="{F04C3A45-5BC1-4DEA-8A94-E2B8EDCABED3}" type="presParOf" srcId="{314624B9-E16A-4475-86A5-CA4CC68AE24E}" destId="{1A8FC656-B0D2-46BC-91ED-797AEC896347}" srcOrd="1" destOrd="0" presId="urn:microsoft.com/office/officeart/2005/8/layout/default"/>
-    <dgm:cxn modelId="{4F4ACC18-B98E-4AEE-A514-D797096E92AA}" type="presParOf" srcId="{314624B9-E16A-4475-86A5-CA4CC68AE24E}" destId="{8F2F1715-E4DC-4648-9E17-C0260F5C52D6}" srcOrd="2" destOrd="0" presId="urn:microsoft.com/office/officeart/2005/8/layout/default"/>
-    <dgm:cxn modelId="{686F11A3-E15F-4DCA-853D-EDBE34958A81}" type="presParOf" srcId="{314624B9-E16A-4475-86A5-CA4CC68AE24E}" destId="{22B3AC32-AB94-4F8A-B31D-C9DABC608910}" srcOrd="3" destOrd="0" presId="urn:microsoft.com/office/officeart/2005/8/layout/default"/>
-    <dgm:cxn modelId="{A3BBCDA8-2088-4315-ACE8-07DA54A392A2}" type="presParOf" srcId="{314624B9-E16A-4475-86A5-CA4CC68AE24E}" destId="{75D80726-7DD2-4CED-8467-8993371C1CEF}" srcOrd="4" destOrd="0" presId="urn:microsoft.com/office/officeart/2005/8/layout/default"/>
-    <dgm:cxn modelId="{8E156CD4-9B42-4E0C-8F35-82F48227C17F}" type="presParOf" srcId="{314624B9-E16A-4475-86A5-CA4CC68AE24E}" destId="{93121806-8206-4A0A-A4A5-0E5E5C447808}" srcOrd="5" destOrd="0" presId="urn:microsoft.com/office/officeart/2005/8/layout/default"/>
-    <dgm:cxn modelId="{384D1D53-59FD-4C5F-A5F4-BF69355E9102}" type="presParOf" srcId="{314624B9-E16A-4475-86A5-CA4CC68AE24E}" destId="{DAFB3613-1D8E-4C83-88B4-BE519EFCD618}" srcOrd="6" destOrd="0" presId="urn:microsoft.com/office/officeart/2005/8/layout/default"/>
-  </dgm:cxnLst>
-  <dgm:bg/>
-  <dgm:whole/>
-  <dgm:extLst>
-    <a:ext uri="http://schemas.microsoft.com/office/drawing/2008/diagram">
-      <dsp:dataModelExt xmlns:dsp="http://schemas.microsoft.com/office/drawing/2008/diagram" relId="rId6" minVer="http://schemas.openxmlformats.org/drawingml/2006/diagram"/>
-    </a:ext>
-  </dgm:extLst>
-</dgm:dataModel>
-</file>
-
-<file path=ppt/diagrams/drawing1.xml><?xml version="1.0" encoding="utf-8"?>
-<dsp:drawing xmlns:dgm="http://schemas.openxmlformats.org/drawingml/2006/diagram" xmlns:dsp="http://schemas.microsoft.com/office/drawing/2008/diagram" xmlns:a="http://schemas.openxmlformats.org/drawingml/2006/main">
-  <dsp:spTree>
-    <dsp:nvGrpSpPr>
-      <dsp:cNvPr id="0" name=""/>
-      <dsp:cNvGrpSpPr/>
-    </dsp:nvGrpSpPr>
-    <dsp:grpSpPr/>
-    <dsp:sp modelId="{F82E1021-4055-42CE-BC4F-1538CB7F8D93}">
-      <dsp:nvSpPr>
-        <dsp:cNvPr id="0" name=""/>
-        <dsp:cNvSpPr/>
-      </dsp:nvSpPr>
-      <dsp:spPr>
-        <a:xfrm>
-          <a:off x="889" y="161296"/>
-          <a:ext cx="3468798" cy="2081279"/>
-        </a:xfrm>
-        <a:prstGeom prst="rect">
-          <a:avLst/>
-        </a:prstGeom>
-        <a:solidFill>
-          <a:schemeClr val="accent1">
-            <a:hueOff val="0"/>
-            <a:satOff val="0"/>
-            <a:lumOff val="0"/>
-            <a:alphaOff val="0"/>
-          </a:schemeClr>
-        </a:solidFill>
-        <a:ln w="15875" cap="flat" cmpd="sng" algn="ctr">
-          <a:solidFill>
-            <a:schemeClr val="lt1">
-              <a:hueOff val="0"/>
-              <a:satOff val="0"/>
-              <a:lumOff val="0"/>
-              <a:alphaOff val="0"/>
-            </a:schemeClr>
-          </a:solidFill>
-          <a:prstDash val="solid"/>
-        </a:ln>
-        <a:effectLst/>
-      </dsp:spPr>
-      <dsp:style>
-        <a:lnRef idx="2">
-          <a:scrgbClr r="0" g="0" b="0"/>
-        </a:lnRef>
-        <a:fillRef idx="1">
-          <a:scrgbClr r="0" g="0" b="0"/>
-        </a:fillRef>
-        <a:effectRef idx="0">
-          <a:scrgbClr r="0" g="0" b="0"/>
-        </a:effectRef>
-        <a:fontRef idx="minor">
-          <a:schemeClr val="lt1"/>
-        </a:fontRef>
-      </dsp:style>
-      <dsp:txBody>
-        <a:bodyPr spcFirstLastPara="0" vert="horz" wrap="square" lIns="72390" tIns="72390" rIns="72390" bIns="72390" numCol="1" spcCol="1270" anchor="ctr" anchorCtr="0">
-          <a:noAutofit/>
-        </a:bodyPr>
-        <a:lstStyle/>
-        <a:p>
-          <a:pPr marL="0" lvl="0" indent="0" algn="ctr" defTabSz="844550">
-            <a:lnSpc>
-              <a:spcPct val="90000"/>
-            </a:lnSpc>
-            <a:spcBef>
-              <a:spcPct val="0"/>
-            </a:spcBef>
-            <a:spcAft>
-              <a:spcPct val="35000"/>
-            </a:spcAft>
-            <a:buNone/>
-          </a:pPr>
-          <a:r>
-            <a:rPr lang="en-US" sz="1900" b="0" i="0" u="none" kern="1200" dirty="0">
-              <a:solidFill>
-                <a:schemeClr val="tx1"/>
-              </a:solidFill>
-            </a:rPr>
-            <a:t>Less Productivity in Agriculture Sectors( 50 % workforce contributes 16% to the GDP).</a:t>
-          </a:r>
-          <a:endParaRPr lang="en-IN" sz="1900" kern="1200" dirty="0">
-            <a:solidFill>
-              <a:schemeClr val="tx1"/>
-            </a:solidFill>
-          </a:endParaRPr>
-        </a:p>
-      </dsp:txBody>
-      <dsp:txXfrm>
-        <a:off x="889" y="161296"/>
-        <a:ext cx="3468798" cy="2081279"/>
-      </dsp:txXfrm>
-    </dsp:sp>
-    <dsp:sp modelId="{8F2F1715-E4DC-4648-9E17-C0260F5C52D6}">
-      <dsp:nvSpPr>
-        <dsp:cNvPr id="0" name=""/>
-        <dsp:cNvSpPr/>
-      </dsp:nvSpPr>
-      <dsp:spPr>
-        <a:xfrm>
-          <a:off x="3816567" y="161296"/>
-          <a:ext cx="3468798" cy="2081279"/>
-        </a:xfrm>
-        <a:prstGeom prst="rect">
-          <a:avLst/>
-        </a:prstGeom>
-        <a:solidFill>
-          <a:schemeClr val="accent1">
-            <a:hueOff val="0"/>
-            <a:satOff val="0"/>
-            <a:lumOff val="0"/>
-            <a:alphaOff val="0"/>
-          </a:schemeClr>
-        </a:solidFill>
-        <a:ln w="15875" cap="flat" cmpd="sng" algn="ctr">
-          <a:solidFill>
-            <a:schemeClr val="lt1">
-              <a:hueOff val="0"/>
-              <a:satOff val="0"/>
-              <a:lumOff val="0"/>
-              <a:alphaOff val="0"/>
-            </a:schemeClr>
-          </a:solidFill>
-          <a:prstDash val="solid"/>
-        </a:ln>
-        <a:effectLst/>
-      </dsp:spPr>
-      <dsp:style>
-        <a:lnRef idx="2">
-          <a:scrgbClr r="0" g="0" b="0"/>
-        </a:lnRef>
-        <a:fillRef idx="1">
-          <a:scrgbClr r="0" g="0" b="0"/>
-        </a:fillRef>
-        <a:effectRef idx="0">
-          <a:scrgbClr r="0" g="0" b="0"/>
-        </a:effectRef>
-        <a:fontRef idx="minor">
-          <a:schemeClr val="lt1"/>
-        </a:fontRef>
-      </dsp:style>
-      <dsp:txBody>
-        <a:bodyPr spcFirstLastPara="0" vert="horz" wrap="square" lIns="72390" tIns="72390" rIns="72390" bIns="72390" numCol="1" spcCol="1270" anchor="ctr" anchorCtr="0">
-          <a:noAutofit/>
-        </a:bodyPr>
-        <a:lstStyle/>
-        <a:p>
-          <a:pPr marL="0" lvl="0" indent="0" algn="ctr" defTabSz="844550">
-            <a:lnSpc>
-              <a:spcPct val="90000"/>
-            </a:lnSpc>
-            <a:spcBef>
-              <a:spcPct val="0"/>
-            </a:spcBef>
-            <a:spcAft>
-              <a:spcPct val="35000"/>
-            </a:spcAft>
-            <a:buFont typeface="+mj-lt"/>
-            <a:buNone/>
-          </a:pPr>
-          <a:r>
-            <a:rPr lang="en-US" sz="1900" b="0" i="0" u="none" kern="1200" dirty="0">
-              <a:solidFill>
-                <a:schemeClr val="tx1"/>
-              </a:solidFill>
-            </a:rPr>
-            <a:t>Growing needs due to ever growing population</a:t>
-          </a:r>
-        </a:p>
-      </dsp:txBody>
-      <dsp:txXfrm>
-        <a:off x="3816567" y="161296"/>
-        <a:ext cx="3468798" cy="2081279"/>
-      </dsp:txXfrm>
-    </dsp:sp>
-    <dsp:sp modelId="{75D80726-7DD2-4CED-8467-8993371C1CEF}">
-      <dsp:nvSpPr>
-        <dsp:cNvPr id="0" name=""/>
-        <dsp:cNvSpPr/>
-      </dsp:nvSpPr>
-      <dsp:spPr>
-        <a:xfrm>
-          <a:off x="889" y="2589455"/>
-          <a:ext cx="3468798" cy="2081279"/>
-        </a:xfrm>
-        <a:prstGeom prst="rect">
-          <a:avLst/>
-        </a:prstGeom>
-        <a:solidFill>
-          <a:schemeClr val="accent1">
-            <a:hueOff val="0"/>
-            <a:satOff val="0"/>
-            <a:lumOff val="0"/>
-            <a:alphaOff val="0"/>
-          </a:schemeClr>
-        </a:solidFill>
-        <a:ln w="15875" cap="flat" cmpd="sng" algn="ctr">
-          <a:solidFill>
-            <a:schemeClr val="lt1">
-              <a:hueOff val="0"/>
-              <a:satOff val="0"/>
-              <a:lumOff val="0"/>
-              <a:alphaOff val="0"/>
-            </a:schemeClr>
-          </a:solidFill>
-          <a:prstDash val="solid"/>
-        </a:ln>
-        <a:effectLst/>
-      </dsp:spPr>
-      <dsp:style>
-        <a:lnRef idx="2">
-          <a:scrgbClr r="0" g="0" b="0"/>
-        </a:lnRef>
-        <a:fillRef idx="1">
-          <a:scrgbClr r="0" g="0" b="0"/>
-        </a:fillRef>
-        <a:effectRef idx="0">
-          <a:scrgbClr r="0" g="0" b="0"/>
-        </a:effectRef>
-        <a:fontRef idx="minor">
-          <a:schemeClr val="lt1"/>
-        </a:fontRef>
-      </dsp:style>
-      <dsp:txBody>
-        <a:bodyPr spcFirstLastPara="0" vert="horz" wrap="square" lIns="72390" tIns="72390" rIns="72390" bIns="72390" numCol="1" spcCol="1270" anchor="ctr" anchorCtr="0">
-          <a:noAutofit/>
-        </a:bodyPr>
-        <a:lstStyle/>
-        <a:p>
-          <a:pPr marL="0" lvl="0" indent="0" algn="ctr" defTabSz="844550">
-            <a:lnSpc>
-              <a:spcPct val="90000"/>
-            </a:lnSpc>
-            <a:spcBef>
-              <a:spcPct val="0"/>
-            </a:spcBef>
-            <a:spcAft>
-              <a:spcPct val="35000"/>
-            </a:spcAft>
-            <a:buFont typeface="+mj-lt"/>
-            <a:buNone/>
-          </a:pPr>
-          <a:r>
-            <a:rPr lang="en-US" sz="1900" b="0" i="0" u="none" kern="1200" dirty="0">
-              <a:solidFill>
-                <a:schemeClr val="tx1"/>
-              </a:solidFill>
-            </a:rPr>
-            <a:t>Lab tests are expensive, time consuming and generally not feasible for farmers.</a:t>
-          </a:r>
-        </a:p>
-      </dsp:txBody>
-      <dsp:txXfrm>
-        <a:off x="889" y="2589455"/>
-        <a:ext cx="3468798" cy="2081279"/>
-      </dsp:txXfrm>
-    </dsp:sp>
-    <dsp:sp modelId="{DAFB3613-1D8E-4C83-88B4-BE519EFCD618}">
-      <dsp:nvSpPr>
-        <dsp:cNvPr id="0" name=""/>
-        <dsp:cNvSpPr/>
-      </dsp:nvSpPr>
-      <dsp:spPr>
-        <a:xfrm>
-          <a:off x="3816567" y="2589455"/>
-          <a:ext cx="3468798" cy="2081279"/>
-        </a:xfrm>
-        <a:prstGeom prst="rect">
-          <a:avLst/>
-        </a:prstGeom>
-        <a:solidFill>
-          <a:schemeClr val="accent1">
-            <a:hueOff val="0"/>
-            <a:satOff val="0"/>
-            <a:lumOff val="0"/>
-            <a:alphaOff val="0"/>
-          </a:schemeClr>
-        </a:solidFill>
-        <a:ln w="15875" cap="flat" cmpd="sng" algn="ctr">
-          <a:solidFill>
-            <a:schemeClr val="lt1">
-              <a:hueOff val="0"/>
-              <a:satOff val="0"/>
-              <a:lumOff val="0"/>
-              <a:alphaOff val="0"/>
-            </a:schemeClr>
-          </a:solidFill>
-          <a:prstDash val="solid"/>
-        </a:ln>
-        <a:effectLst/>
-      </dsp:spPr>
-      <dsp:style>
-        <a:lnRef idx="2">
-          <a:scrgbClr r="0" g="0" b="0"/>
-        </a:lnRef>
-        <a:fillRef idx="1">
-          <a:scrgbClr r="0" g="0" b="0"/>
-        </a:fillRef>
-        <a:effectRef idx="0">
-          <a:scrgbClr r="0" g="0" b="0"/>
-        </a:effectRef>
-        <a:fontRef idx="minor">
-          <a:schemeClr val="lt1"/>
-        </a:fontRef>
-      </dsp:style>
-      <dsp:txBody>
-        <a:bodyPr spcFirstLastPara="0" vert="horz" wrap="square" lIns="68580" tIns="68580" rIns="68580" bIns="68580" numCol="1" spcCol="1270" anchor="ctr" anchorCtr="0">
-          <a:noAutofit/>
-        </a:bodyPr>
-        <a:lstStyle/>
-        <a:p>
-          <a:pPr marL="0" lvl="0" indent="0" algn="l" defTabSz="800100">
-            <a:lnSpc>
-              <a:spcPct val="90000"/>
-            </a:lnSpc>
-            <a:spcBef>
-              <a:spcPct val="0"/>
-            </a:spcBef>
-            <a:spcAft>
-              <a:spcPct val="35000"/>
-            </a:spcAft>
-            <a:buFont typeface="+mj-lt"/>
-            <a:buNone/>
-          </a:pPr>
-          <a:r>
-            <a:rPr lang="en-US" sz="1800" b="0" i="0" u="none" kern="1200" dirty="0">
-              <a:solidFill>
-                <a:schemeClr val="tx1"/>
-              </a:solidFill>
-            </a:rPr>
-            <a:t>IoT sensors can be used to measure gather data in bulk which can be  analyzed using various AI techniques for increased productivity and quality.</a:t>
-          </a:r>
-        </a:p>
-      </dsp:txBody>
-      <dsp:txXfrm>
-        <a:off x="3816567" y="2589455"/>
-        <a:ext cx="3468798" cy="2081279"/>
-      </dsp:txXfrm>
-    </dsp:sp>
-  </dsp:spTree>
-</dsp:drawing>
-</file>
-
-<file path=ppt/diagrams/layout1.xml><?xml version="1.0" encoding="utf-8"?>
-<dgm:layoutDef xmlns:dgm="http://schemas.openxmlformats.org/drawingml/2006/diagram" xmlns:a="http://schemas.openxmlformats.org/drawingml/2006/main" uniqueId="urn:microsoft.com/office/officeart/2005/8/layout/default">
-  <dgm:title val=""/>
-  <dgm:desc val=""/>
-  <dgm:catLst>
-    <dgm:cat type="list" pri="400"/>
-  </dgm:catLst>
-  <dgm:sampData>
-    <dgm:dataModel>
-      <dgm:ptLst>
-        <dgm:pt modelId="0" type="doc"/>
-        <dgm:pt modelId="1">
-          <dgm:prSet phldr="1"/>
-        </dgm:pt>
-        <dgm:pt modelId="2">
-          <dgm:prSet phldr="1"/>
-        </dgm:pt>
-        <dgm:pt modelId="3">
-          <dgm:prSet phldr="1"/>
-        </dgm:pt>
-        <dgm:pt modelId="4">
-          <dgm:prSet phldr="1"/>
-        </dgm:pt>
-        <dgm:pt modelId="5">
-          <dgm:prSet phldr="1"/>
-        </dgm:pt>
-      </dgm:ptLst>
-      <dgm:cxnLst>
-        <dgm:cxn modelId="6" srcId="0" destId="1" srcOrd="0" destOrd="0"/>
-        <dgm:cxn modelId="7" srcId="0" destId="2" srcOrd="1" destOrd="0"/>
-        <dgm:cxn modelId="8" srcId="0" destId="3" srcOrd="2" destOrd="0"/>
-        <dgm:cxn modelId="9" srcId="0" destId="4" srcOrd="3" destOrd="0"/>
-        <dgm:cxn modelId="10" srcId="0" destId="5" srcOrd="4" destOrd="0"/>
-      </dgm:cxnLst>
-      <dgm:bg/>
-      <dgm:whole/>
-    </dgm:dataModel>
-  </dgm:sampData>
-  <dgm:styleData>
-    <dgm:dataModel>
-      <dgm:ptLst>
-        <dgm:pt modelId="0" type="doc"/>
-        <dgm:pt modelId="1"/>
-        <dgm:pt modelId="2"/>
-      </dgm:ptLst>
-      <dgm:cxnLst>
-        <dgm:cxn modelId="3" srcId="0" destId="1" srcOrd="0" destOrd="0"/>
-        <dgm:cxn modelId="4" srcId="0" destId="2" srcOrd="1" destOrd="0"/>
-      </dgm:cxnLst>
-      <dgm:bg/>
-      <dgm:whole/>
-    </dgm:dataModel>
-  </dgm:styleData>
-  <dgm:clrData>
-    <dgm:dataModel>
-      <dgm:ptLst>
-        <dgm:pt modelId="0" type="doc"/>
-        <dgm:pt modelId="1"/>
-        <dgm:pt modelId="2"/>
-        <dgm:pt modelId="3"/>
-        <dgm:pt modelId="4"/>
-        <dgm:pt modelId="5"/>
-        <dgm:pt modelId="6"/>
-      </dgm:ptLst>
-      <dgm:cxnLst>
-        <dgm:cxn modelId="7" srcId="0" destId="1" srcOrd="0" destOrd="0"/>
-        <dgm:cxn modelId="8" srcId="0" destId="2" srcOrd="1" destOrd="0"/>
-        <dgm:cxn modelId="9" srcId="0" destId="3" srcOrd="2" destOrd="0"/>
-        <dgm:cxn modelId="10" srcId="0" destId="4" srcOrd="3" destOrd="0"/>
-        <dgm:cxn modelId="11" srcId="0" destId="5" srcOrd="4" destOrd="0"/>
-        <dgm:cxn modelId="12" srcId="0" destId="6" srcOrd="5" destOrd="0"/>
-      </dgm:cxnLst>
-      <dgm:bg/>
-      <dgm:whole/>
-    </dgm:dataModel>
-  </dgm:clrData>
-  <dgm:layoutNode name="diagram">
-    <dgm:varLst>
-      <dgm:dir/>
-      <dgm:resizeHandles val="exact"/>
-    </dgm:varLst>
-    <dgm:choose name="Name0">
-      <dgm:if name="Name1" func="var" arg="dir" op="equ" val="norm">
-        <dgm:alg type="snake">
-          <dgm:param type="grDir" val="tL"/>
-          <dgm:param type="flowDir" val="row"/>
-          <dgm:param type="contDir" val="sameDir"/>
-          <dgm:param type="off" val="ctr"/>
-        </dgm:alg>
-      </dgm:if>
-      <dgm:else name="Name2">
-        <dgm:alg type="snake">
-          <dgm:param type="grDir" val="tR"/>
-          <dgm:param type="flowDir" val="row"/>
-          <dgm:param type="contDir" val="sameDir"/>
-          <dgm:param type="off" val="ctr"/>
-        </dgm:alg>
-      </dgm:else>
-    </dgm:choose>
-    <dgm:shape xmlns:r="http://schemas.openxmlformats.org/officeDocument/2006/relationships" r:blip="">
-      <dgm:adjLst/>
-    </dgm:shape>
-    <dgm:presOf/>
-    <dgm:constrLst>
-      <dgm:constr type="w" for="ch" forName="node" refType="w"/>
-      <dgm:constr type="h" for="ch" forName="node" refType="w" refFor="ch" refForName="node" fact="0.6"/>
-      <dgm:constr type="w" for="ch" forName="sibTrans" refType="w" refFor="ch" refForName="node" fact="0.1"/>
-      <dgm:constr type="sp" refType="w" refFor="ch" refForName="sibTrans"/>
-      <dgm:constr type="primFontSz" for="ch" forName="node" op="equ" val="65"/>
-    </dgm:constrLst>
-    <dgm:ruleLst/>
-    <dgm:forEach name="Name3" axis="ch" ptType="node">
-      <dgm:layoutNode name="node">
-        <dgm:varLst>
-          <dgm:bulletEnabled val="1"/>
-        </dgm:varLst>
-        <dgm:alg type="tx"/>
-        <dgm:shape xmlns:r="http://schemas.openxmlformats.org/officeDocument/2006/relationships" type="rect" r:blip="">
-          <dgm:adjLst/>
-        </dgm:shape>
-        <dgm:presOf axis="desOrSelf" ptType="node"/>
-        <dgm:constrLst>
-          <dgm:constr type="lMarg" refType="primFontSz" fact="0.3"/>
-          <dgm:constr type="rMarg" refType="primFontSz" fact="0.3"/>
-          <dgm:constr type="tMarg" refType="primFontSz" fact="0.3"/>
-          <dgm:constr type="bMarg" refType="primFontSz" fact="0.3"/>
-        </dgm:constrLst>
-        <dgm:ruleLst>
-          <dgm:rule type="primFontSz" val="5" fact="NaN" max="NaN"/>
-        </dgm:ruleLst>
-      </dgm:layoutNode>
-      <dgm:forEach name="Name4" axis="followSib" ptType="sibTrans" cnt="1">
-        <dgm:layoutNode name="sibTrans">
-          <dgm:alg type="sp"/>
-          <dgm:shape xmlns:r="http://schemas.openxmlformats.org/officeDocument/2006/relationships" r:blip="">
-            <dgm:adjLst/>
-          </dgm:shape>
-          <dgm:presOf/>
-          <dgm:constrLst/>
-          <dgm:ruleLst/>
-        </dgm:layoutNode>
-      </dgm:forEach>
-    </dgm:forEach>
-  </dgm:layoutNode>
-</dgm:layoutDef>
-</file>
-
-<file path=ppt/diagrams/quickStyle1.xml><?xml version="1.0" encoding="utf-8"?>
-<dgm:styleDef xmlns:dgm="http://schemas.openxmlformats.org/drawingml/2006/diagram" xmlns:a="http://schemas.openxmlformats.org/drawingml/2006/main" uniqueId="urn:microsoft.com/office/officeart/2005/8/quickstyle/simple1">
-  <dgm:title val=""/>
-  <dgm:desc val=""/>
-  <dgm:catLst>
-    <dgm:cat type="simple" pri="10100"/>
-  </dgm:catLst>
-  <dgm:scene3d>
-    <a:camera prst="orthographicFront"/>
-    <a:lightRig rig="threePt" dir="t"/>
-  </dgm:scene3d>
-  <dgm:styleLbl name="node0">
-    <dgm:scene3d>
-      <a:camera prst="orthographicFront"/>
-      <a:lightRig rig="threePt" dir="t"/>
-    </dgm:scene3d>
-    <dgm:sp3d/>
-    <dgm:txPr/>
-    <dgm:style>
-      <a:lnRef idx="2">
-        <a:scrgbClr r="0" g="0" b="0"/>
-      </a:lnRef>
-      <a:fillRef idx="1">
-        <a:scrgbClr r="0" g="0" b="0"/>
-      </a:fillRef>
-      <a:effectRef idx="0">
-        <a:scrgbClr r="0" g="0" b="0"/>
-      </a:effectRef>
-      <a:fontRef idx="minor">
-        <a:schemeClr val="lt1"/>
-      </a:fontRef>
-    </dgm:style>
-  </dgm:styleLbl>
-  <dgm:styleLbl name="lnNode1">
-    <dgm:scene3d>
-      <a:camera prst="orthographicFront"/>
-      <a:lightRig rig="threePt" dir="t"/>
-    </dgm:scene3d>
-    <dgm:sp3d/>
-    <dgm:txPr/>
-    <dgm:style>
-      <a:lnRef idx="2">
-        <a:scrgbClr r="0" g="0" b="0"/>
-      </a:lnRef>
-      <a:fillRef idx="1">
-        <a:scrgbClr r="0" g="0" b="0"/>
-      </a:fillRef>
-      <a:effectRef idx="0">
-        <a:scrgbClr r="0" g="0" b="0"/>
-      </a:effectRef>
-      <a:fontRef idx="minor">
-        <a:schemeClr val="lt1"/>
-      </a:fontRef>
-    </dgm:style>
-  </dgm:styleLbl>
-  <dgm:styleLbl name="vennNode1">
-    <dgm:scene3d>
-      <a:camera prst="orthographicFront"/>
-      <a:lightRig rig="threePt" dir="t"/>
-    </dgm:scene3d>
-    <dgm:sp3d/>
-    <dgm:txPr/>
-    <dgm:style>
-      <a:lnRef idx="2">
-        <a:scrgbClr r="0" g="0" b="0"/>
-      </a:lnRef>
-      <a:fillRef idx="1">
-        <a:scrgbClr r="0" g="0" b="0"/>
-      </a:fillRef>
-      <a:effectRef idx="0">
-        <a:scrgbClr r="0" g="0" b="0"/>
-      </a:effectRef>
-      <a:fontRef idx="minor">
-        <a:schemeClr val="tx1"/>
-      </a:fontRef>
-    </dgm:style>
-  </dgm:styleLbl>
-  <dgm:styleLbl name="alignNode1">
-    <dgm:scene3d>
-      <a:camera prst="orthographicFront"/>
-      <a:lightRig rig="threePt" dir="t"/>
-    </dgm:scene3d>
-    <dgm:sp3d/>
-    <dgm:txPr/>
-    <dgm:style>
-      <a:lnRef idx="2">
-        <a:scrgbClr r="0" g="0" b="0"/>
-      </a:lnRef>
-      <a:fillRef idx="1">
-        <a:scrgbClr r="0" g="0" b="0"/>
-      </a:fillRef>
-      <a:effectRef idx="0">
-        <a:scrgbClr r="0" g="0" b="0"/>
-      </a:effectRef>
-      <a:fontRef idx="minor">
-        <a:schemeClr val="lt1"/>
-      </a:fontRef>
-    </dgm:style>
-  </dgm:styleLbl>
-  <dgm:styleLbl name="node1">
-    <dgm:scene3d>
-      <a:camera prst="orthographicFront"/>
-      <a:lightRig rig="threePt" dir="t"/>
-    </dgm:scene3d>
-    <dgm:sp3d/>
-    <dgm:txPr/>
-    <dgm:style>
-      <a:lnRef idx="2">
-        <a:scrgbClr r="0" g="0" b="0"/>
-      </a:lnRef>
-      <a:fillRef idx="1">
-        <a:scrgbClr r="0" g="0" b="0"/>
-      </a:fillRef>
-      <a:effectRef idx="0">
-        <a:scrgbClr r="0" g="0" b="0"/>
-      </a:effectRef>
-      <a:fontRef idx="minor">
-        <a:schemeClr val="lt1"/>
-      </a:fontRef>
-    </dgm:style>
-  </dgm:styleLbl>
-  <dgm:styleLbl name="node2">
-    <dgm:scene3d>
-      <a:camera prst="orthographicFront"/>
-      <a:lightRig rig="threePt" dir="t"/>
-    </dgm:scene3d>
-    <dgm:sp3d/>
-    <dgm:txPr/>
-    <dgm:style>
-      <a:lnRef idx="2">
-        <a:scrgbClr r="0" g="0" b="0"/>
-      </a:lnRef>
-      <a:fillRef idx="1">
-        <a:scrgbClr r="0" g="0" b="0"/>
-      </a:fillRef>
-      <a:effectRef idx="0">
-        <a:scrgbClr r="0" g="0" b="0"/>
-      </a:effectRef>
-      <a:fontRef idx="minor">
-        <a:schemeClr val="lt1"/>
-      </a:fontRef>
-    </dgm:style>
-  </dgm:styleLbl>
-  <dgm:styleLbl name="node3">
-    <dgm:scene3d>
-      <a:camera prst="orthographicFront"/>
-      <a:lightRig rig="threePt" dir="t"/>
-    </dgm:scene3d>
-    <dgm:sp3d/>
-    <dgm:txPr/>
-    <dgm:style>
-      <a:lnRef idx="2">
-        <a:scrgbClr r="0" g="0" b="0"/>
-      </a:lnRef>
-      <a:fillRef idx="1">
-        <a:scrgbClr r="0" g="0" b="0"/>
-      </a:fillRef>
-      <a:effectRef idx="0">
-        <a:scrgbClr r="0" g="0" b="0"/>
-      </a:effectRef>
-      <a:fontRef idx="minor">
-        <a:schemeClr val="lt1"/>
-      </a:fontRef>
-    </dgm:style>
-  </dgm:styleLbl>
-  <dgm:styleLbl name="node4">
-    <dgm:scene3d>
-      <a:camera prst="orthographicFront"/>
-      <a:lightRig rig="threePt" dir="t"/>
-    </dgm:scene3d>
-    <dgm:sp3d/>
-    <dgm:txPr/>
-    <dgm:style>
-      <a:lnRef idx="2">
-        <a:scrgbClr r="0" g="0" b="0"/>
-      </a:lnRef>
-      <a:fillRef idx="1">
-        <a:scrgbClr r="0" g="0" b="0"/>
-      </a:fillRef>
-      <a:effectRef idx="0">
-        <a:scrgbClr r="0" g="0" b="0"/>
-      </a:effectRef>
-      <a:fontRef idx="minor">
-        <a:schemeClr val="lt1"/>
-      </a:fontRef>
-    </dgm:style>
-  </dgm:styleLbl>
-  <dgm:styleLbl name="fgImgPlace1">
-    <dgm:scene3d>
-      <a:camera prst="orthographicFront"/>
-      <a:lightRig rig="threePt" dir="t"/>
-    </dgm:scene3d>
-    <dgm:sp3d/>
-    <dgm:txPr/>
-    <dgm:style>
-      <a:lnRef idx="2">
-        <a:scrgbClr r="0" g="0" b="0"/>
-      </a:lnRef>
-      <a:fillRef idx="1">
-        <a:scrgbClr r="0" g="0" b="0"/>
-      </a:fillRef>
-      <a:effectRef idx="0">
-        <a:scrgbClr r="0" g="0" b="0"/>
-      </a:effectRef>
-      <a:fontRef idx="minor"/>
-    </dgm:style>
-  </dgm:styleLbl>
-  <dgm:styleLbl name="alignImgPlace1">
-    <dgm:scene3d>
-      <a:camera prst="orthographicFront"/>
-      <a:lightRig rig="threePt" dir="t"/>
-    </dgm:scene3d>
-    <dgm:sp3d/>
-    <dgm:txPr/>
-    <dgm:style>
-      <a:lnRef idx="2">
-        <a:scrgbClr r="0" g="0" b="0"/>
-      </a:lnRef>
-      <a:fillRef idx="1">
-        <a:scrgbClr r="0" g="0" b="0"/>
-      </a:fillRef>
-      <a:effectRef idx="0">
-        <a:scrgbClr r="0" g="0" b="0"/>
-      </a:effectRef>
-      <a:fontRef idx="minor"/>
-    </dgm:style>
-  </dgm:styleLbl>
-  <dgm:styleLbl name="bgImgPlace1">
-    <dgm:scene3d>
-      <a:camera prst="orthographicFront"/>
-      <a:lightRig rig="threePt" dir="t"/>
-    </dgm:scene3d>
-    <dgm:sp3d/>
-    <dgm:txPr/>
-    <dgm:style>
-      <a:lnRef idx="2">
-        <a:scrgbClr r="0" g="0" b="0"/>
-      </a:lnRef>
-      <a:fillRef idx="1">
-        <a:scrgbClr r="0" g="0" b="0"/>
-      </a:fillRef>
-      <a:effectRef idx="0">
-        <a:scrgbClr r="0" g="0" b="0"/>
-      </a:effectRef>
-      <a:fontRef idx="minor"/>
-    </dgm:style>
-  </dgm:styleLbl>
-  <dgm:styleLbl name="sibTrans2D1">
-    <dgm:scene3d>
-      <a:camera prst="orthographicFront"/>
-      <a:lightRig rig="threePt" dir="t"/>
-    </dgm:scene3d>
-    <dgm:sp3d/>
-    <dgm:txPr/>
-    <dgm:style>
-      <a:lnRef idx="0">
-        <a:scrgbClr r="0" g="0" b="0"/>
-      </a:lnRef>
-      <a:fillRef idx="1">
-        <a:scrgbClr r="0" g="0" b="0"/>
-      </a:fillRef>
-      <a:effectRef idx="0">
-        <a:scrgbClr r="0" g="0" b="0"/>
-      </a:effectRef>
-      <a:fontRef idx="minor">
-        <a:schemeClr val="lt1"/>
-      </a:fontRef>
-    </dgm:style>
-  </dgm:styleLbl>
-  <dgm:styleLbl name="fgSibTrans2D1">
-    <dgm:scene3d>
-      <a:camera prst="orthographicFront"/>
-      <a:lightRig rig="threePt" dir="t"/>
-    </dgm:scene3d>
-    <dgm:sp3d/>
-    <dgm:txPr/>
-    <dgm:style>
-      <a:lnRef idx="0">
-        <a:scrgbClr r="0" g="0" b="0"/>
-      </a:lnRef>
-      <a:fillRef idx="1">
-        <a:scrgbClr r="0" g="0" b="0"/>
-      </a:fillRef>
-      <a:effectRef idx="0">
-        <a:scrgbClr r="0" g="0" b="0"/>
-      </a:effectRef>
-      <a:fontRef idx="minor">
-        <a:schemeClr val="lt1"/>
-      </a:fontRef>
-    </dgm:style>
-  </dgm:styleLbl>
-  <dgm:styleLbl name="bgSibTrans2D1">
-    <dgm:scene3d>
-      <a:camera prst="orthographicFront"/>
-      <a:lightRig rig="threePt" dir="t"/>
-    </dgm:scene3d>
-    <dgm:sp3d/>
-    <dgm:txPr/>
-    <dgm:style>
-      <a:lnRef idx="0">
-        <a:scrgbClr r="0" g="0" b="0"/>
-      </a:lnRef>
-      <a:fillRef idx="1">
-        <a:scrgbClr r="0" g="0" b="0"/>
-      </a:fillRef>
-      <a:effectRef idx="0">
-        <a:scrgbClr r="0" g="0" b="0"/>
-      </a:effectRef>
-      <a:fontRef idx="minor">
-        <a:schemeClr val="lt1"/>
-      </a:fontRef>
-    </dgm:style>
-  </dgm:styleLbl>
-  <dgm:styleLbl name="sibTrans1D1">
-    <dgm:scene3d>
-      <a:camera prst="orthographicFront"/>
-      <a:lightRig rig="threePt" dir="t"/>
-    </dgm:scene3d>
-    <dgm:sp3d/>
-    <dgm:txPr/>
-    <dgm:style>
-      <a:lnRef idx="1">
-        <a:scrgbClr r="0" g="0" b="0"/>
-      </a:lnRef>
-      <a:fillRef idx="0">
-        <a:scrgbClr r="0" g="0" b="0"/>
-      </a:fillRef>
-      <a:effectRef idx="0">
-        <a:scrgbClr r="0" g="0" b="0"/>
-      </a:effectRef>
-      <a:fontRef idx="minor"/>
-    </dgm:style>
-  </dgm:styleLbl>
-  <dgm:styleLbl name="callout">
-    <dgm:scene3d>
-      <a:camera prst="orthographicFront"/>
-      <a:lightRig rig="threePt" dir="t"/>
-    </dgm:scene3d>
-    <dgm:sp3d/>
-    <dgm:txPr/>
-    <dgm:style>
-      <a:lnRef idx="2">
-        <a:scrgbClr r="0" g="0" b="0"/>
-      </a:lnRef>
-      <a:fillRef idx="1">
-        <a:scrgbClr r="0" g="0" b="0"/>
-      </a:fillRef>
-      <a:effectRef idx="0">
-        <a:scrgbClr r="0" g="0" b="0"/>
-      </a:effectRef>
-      <a:fontRef idx="minor"/>
-    </dgm:style>
-  </dgm:styleLbl>
-  <dgm:styleLbl name="asst0">
-    <dgm:scene3d>
-      <a:camera prst="orthographicFront"/>
-      <a:lightRig rig="threePt" dir="t"/>
-    </dgm:scene3d>
-    <dgm:sp3d/>
-    <dgm:txPr/>
-    <dgm:style>
-      <a:lnRef idx="2">
-        <a:scrgbClr r="0" g="0" b="0"/>
-      </a:lnRef>
-      <a:fillRef idx="1">
-        <a:scrgbClr r="0" g="0" b="0"/>
-      </a:fillRef>
-      <a:effectRef idx="0">
-        <a:scrgbClr r="0" g="0" b="0"/>
-      </a:effectRef>
-      <a:fontRef idx="minor">
-        <a:schemeClr val="lt1"/>
-      </a:fontRef>
-    </dgm:style>
-  </dgm:styleLbl>
-  <dgm:styleLbl name="asst1">
-    <dgm:scene3d>
-      <a:camera prst="orthographicFront"/>
-      <a:lightRig rig="threePt" dir="t"/>
-    </dgm:scene3d>
-    <dgm:sp3d/>
-    <dgm:txPr/>
-    <dgm:style>
-      <a:lnRef idx="2">
-        <a:scrgbClr r="0" g="0" b="0"/>
-      </a:lnRef>
-      <a:fillRef idx="1">
-        <a:scrgbClr r="0" g="0" b="0"/>
-      </a:fillRef>
-      <a:effectRef idx="0">
-        <a:scrgbClr r="0" g="0" b="0"/>
-      </a:effectRef>
-      <a:fontRef idx="minor">
-        <a:schemeClr val="lt1"/>
-      </a:fontRef>
-    </dgm:style>
-  </dgm:styleLbl>
-  <dgm:styleLbl name="asst2">
-    <dgm:scene3d>
-      <a:camera prst="orthographicFront"/>
-      <a:lightRig rig="threePt" dir="t"/>
-    </dgm:scene3d>
-    <dgm:sp3d/>
-    <dgm:txPr/>
-    <dgm:style>
-      <a:lnRef idx="2">
-        <a:scrgbClr r="0" g="0" b="0"/>
-      </a:lnRef>
-      <a:fillRef idx="1">
-        <a:scrgbClr r="0" g="0" b="0"/>
-      </a:fillRef>
-      <a:effectRef idx="0">
-        <a:scrgbClr r="0" g="0" b="0"/>
-      </a:effectRef>
-      <a:fontRef idx="minor">
-        <a:schemeClr val="lt1"/>
-      </a:fontRef>
-    </dgm:style>
-  </dgm:styleLbl>
-  <dgm:styleLbl name="asst3">
-    <dgm:scene3d>
-      <a:camera prst="orthographicFront"/>
-      <a:lightRig rig="threePt" dir="t"/>
-    </dgm:scene3d>
-    <dgm:sp3d/>
-    <dgm:txPr/>
-    <dgm:style>
-      <a:lnRef idx="2">
-        <a:scrgbClr r="0" g="0" b="0"/>
-      </a:lnRef>
-      <a:fillRef idx="1">
-        <a:scrgbClr r="0" g="0" b="0"/>
-      </a:fillRef>
-      <a:effectRef idx="0">
-        <a:scrgbClr r="0" g="0" b="0"/>
-      </a:effectRef>
-      <a:fontRef idx="minor">
-        <a:schemeClr val="lt1"/>
-      </a:fontRef>
-    </dgm:style>
-  </dgm:styleLbl>
-  <dgm:styleLbl name="asst4">
-    <dgm:scene3d>
-      <a:camera prst="orthographicFront"/>
-      <a:lightRig rig="threePt" dir="t"/>
-    </dgm:scene3d>
-    <dgm:sp3d/>
-    <dgm:txPr/>
-    <dgm:style>
-      <a:lnRef idx="2">
-        <a:scrgbClr r="0" g="0" b="0"/>
-      </a:lnRef>
-      <a:fillRef idx="1">
-        <a:scrgbClr r="0" g="0" b="0"/>
-      </a:fillRef>
-      <a:effectRef idx="0">
-        <a:scrgbClr r="0" g="0" b="0"/>
-      </a:effectRef>
-      <a:fontRef idx="minor">
-        <a:schemeClr val="lt1"/>
-      </a:fontRef>
-    </dgm:style>
-  </dgm:styleLbl>
-  <dgm:styleLbl name="parChTrans2D1">
-    <dgm:scene3d>
-      <a:camera prst="orthographicFront"/>
-      <a:lightRig rig="threePt" dir="t"/>
-    </dgm:scene3d>
-    <dgm:sp3d/>
-    <dgm:txPr/>
-    <dgm:style>
-      <a:lnRef idx="2">
-        <a:scrgbClr r="0" g="0" b="0"/>
-      </a:lnRef>
-      <a:fillRef idx="1">
-        <a:scrgbClr r="0" g="0" b="0"/>
-      </a:fillRef>
-      <a:effectRef idx="0">
-        <a:scrgbClr r="0" g="0" b="0"/>
-      </a:effectRef>
-      <a:fontRef idx="minor">
-        <a:schemeClr val="lt1"/>
-      </a:fontRef>
-    </dgm:style>
-  </dgm:styleLbl>
-  <dgm:styleLbl name="parChTrans2D2">
-    <dgm:scene3d>
-      <a:camera prst="orthographicFront"/>
-      <a:lightRig rig="threePt" dir="t"/>
-    </dgm:scene3d>
-    <dgm:sp3d/>
-    <dgm:txPr/>
-    <dgm:style>
-      <a:lnRef idx="2">
-        <a:scrgbClr r="0" g="0" b="0"/>
-      </a:lnRef>
-      <a:fillRef idx="1">
-        <a:scrgbClr r="0" g="0" b="0"/>
-      </a:fillRef>
-      <a:effectRef idx="0">
-        <a:scrgbClr r="0" g="0" b="0"/>
-      </a:effectRef>
-      <a:fontRef idx="minor">
-        <a:schemeClr val="lt1"/>
-      </a:fontRef>
-    </dgm:style>
-  </dgm:styleLbl>
-  <dgm:styleLbl name="parChTrans2D3">
-    <dgm:scene3d>
-      <a:camera prst="orthographicFront"/>
-      <a:lightRig rig="threePt" dir="t"/>
-    </dgm:scene3d>
-    <dgm:sp3d/>
-    <dgm:txPr/>
-    <dgm:style>
-      <a:lnRef idx="2">
-        <a:scrgbClr r="0" g="0" b="0"/>
-      </a:lnRef>
-      <a:fillRef idx="1">
-        <a:scrgbClr r="0" g="0" b="0"/>
-      </a:fillRef>
-      <a:effectRef idx="0">
-        <a:scrgbClr r="0" g="0" b="0"/>
-      </a:effectRef>
-      <a:fontRef idx="minor">
-        <a:schemeClr val="lt1"/>
-      </a:fontRef>
-    </dgm:style>
-  </dgm:styleLbl>
-  <dgm:styleLbl name="parChTrans2D4">
-    <dgm:scene3d>
-      <a:camera prst="orthographicFront"/>
-      <a:lightRig rig="threePt" dir="t"/>
-    </dgm:scene3d>
-    <dgm:sp3d/>
-    <dgm:txPr/>
-    <dgm:style>
-      <a:lnRef idx="2">
-        <a:scrgbClr r="0" g="0" b="0"/>
-      </a:lnRef>
-      <a:fillRef idx="1">
-        <a:scrgbClr r="0" g="0" b="0"/>
-      </a:fillRef>
-      <a:effectRef idx="0">
-        <a:scrgbClr r="0" g="0" b="0"/>
-      </a:effectRef>
-      <a:fontRef idx="minor">
-        <a:schemeClr val="lt1"/>
-      </a:fontRef>
-    </dgm:style>
-  </dgm:styleLbl>
-  <dgm:styleLbl name="parChTrans1D1">
-    <dgm:scene3d>
-      <a:camera prst="orthographicFront"/>
-      <a:lightRig rig="threePt" dir="t"/>
-    </dgm:scene3d>
-    <dgm:sp3d/>
-    <dgm:txPr/>
-    <dgm:style>
-      <a:lnRef idx="2">
-        <a:scrgbClr r="0" g="0" b="0"/>
-      </a:lnRef>
-      <a:fillRef idx="0">
-        <a:scrgbClr r="0" g="0" b="0"/>
-      </a:fillRef>
-      <a:effectRef idx="0">
-        <a:scrgbClr r="0" g="0" b="0"/>
-      </a:effectRef>
-      <a:fontRef idx="minor"/>
-    </dgm:style>
-  </dgm:styleLbl>
-  <dgm:styleLbl name="parChTrans1D2">
-    <dgm:scene3d>
-      <a:camera prst="orthographicFront"/>
-      <a:lightRig rig="threePt" dir="t"/>
-    </dgm:scene3d>
-    <dgm:sp3d/>
-    <dgm:txPr/>
-    <dgm:style>
-      <a:lnRef idx="2">
-        <a:scrgbClr r="0" g="0" b="0"/>
-      </a:lnRef>
-      <a:fillRef idx="0">
-        <a:scrgbClr r="0" g="0" b="0"/>
-      </a:fillRef>
-      <a:effectRef idx="0">
-        <a:scrgbClr r="0" g="0" b="0"/>
-      </a:effectRef>
-      <a:fontRef idx="minor"/>
-    </dgm:style>
-  </dgm:styleLbl>
-  <dgm:styleLbl name="parChTrans1D3">
-    <dgm:scene3d>
-      <a:camera prst="orthographicFront"/>
-      <a:lightRig rig="threePt" dir="t"/>
-    </dgm:scene3d>
-    <dgm:sp3d/>
-    <dgm:txPr/>
-    <dgm:style>
-      <a:lnRef idx="2">
-        <a:scrgbClr r="0" g="0" b="0"/>
-      </a:lnRef>
-      <a:fillRef idx="0">
-        <a:scrgbClr r="0" g="0" b="0"/>
-      </a:fillRef>
-      <a:effectRef idx="0">
-        <a:scrgbClr r="0" g="0" b="0"/>
-      </a:effectRef>
-      <a:fontRef idx="minor"/>
-    </dgm:style>
-  </dgm:styleLbl>
-  <dgm:styleLbl name="parChTrans1D4">
-    <dgm:scene3d>
-      <a:camera prst="orthographicFront"/>
-      <a:lightRig rig="threePt" dir="t"/>
-    </dgm:scene3d>
-    <dgm:sp3d/>
-    <dgm:txPr/>
-    <dgm:style>
-      <a:lnRef idx="2">
-        <a:scrgbClr r="0" g="0" b="0"/>
-      </a:lnRef>
-      <a:fillRef idx="0">
-        <a:scrgbClr r="0" g="0" b="0"/>
-      </a:fillRef>
-      <a:effectRef idx="0">
-        <a:scrgbClr r="0" g="0" b="0"/>
-      </a:effectRef>
-      <a:fontRef idx="minor"/>
-    </dgm:style>
-  </dgm:styleLbl>
-  <dgm:styleLbl name="fgAcc1">
-    <dgm:scene3d>
-      <a:camera prst="orthographicFront"/>
-      <a:lightRig rig="threePt" dir="t"/>
-    </dgm:scene3d>
-    <dgm:sp3d/>
-    <dgm:txPr/>
-    <dgm:style>
-      <a:lnRef idx="2">
-        <a:scrgbClr r="0" g="0" b="0"/>
-      </a:lnRef>
-      <a:fillRef idx="1">
-        <a:scrgbClr r="0" g="0" b="0"/>
-      </a:fillRef>
-      <a:effectRef idx="0">
-        <a:scrgbClr r="0" g="0" b="0"/>
-      </a:effectRef>
-      <a:fontRef idx="minor"/>
-    </dgm:style>
-  </dgm:styleLbl>
-  <dgm:styleLbl name="conFgAcc1">
-    <dgm:scene3d>
-      <a:camera prst="orthographicFront"/>
-      <a:lightRig rig="threePt" dir="t"/>
-    </dgm:scene3d>
-    <dgm:sp3d/>
-    <dgm:txPr/>
-    <dgm:style>
-      <a:lnRef idx="2">
-        <a:scrgbClr r="0" g="0" b="0"/>
-      </a:lnRef>
-      <a:fillRef idx="1">
-        <a:scrgbClr r="0" g="0" b="0"/>
-      </a:fillRef>
-      <a:effectRef idx="0">
-        <a:scrgbClr r="0" g="0" b="0"/>
-      </a:effectRef>
-      <a:fontRef idx="minor"/>
-    </dgm:style>
-  </dgm:styleLbl>
-  <dgm:styleLbl name="alignAcc1">
-    <dgm:scene3d>
-      <a:camera prst="orthographicFront"/>
-      <a:lightRig rig="threePt" dir="t"/>
-    </dgm:scene3d>
-    <dgm:sp3d/>
-    <dgm:txPr/>
-    <dgm:style>
-      <a:lnRef idx="2">
-        <a:scrgbClr r="0" g="0" b="0"/>
-      </a:lnRef>
-      <a:fillRef idx="1">
-        <a:scrgbClr r="0" g="0" b="0"/>
-      </a:fillRef>
-      <a:effectRef idx="0">
-        <a:scrgbClr r="0" g="0" b="0"/>
-      </a:effectRef>
-      <a:fontRef idx="minor"/>
-    </dgm:style>
-  </dgm:styleLbl>
-  <dgm:styleLbl name="trAlignAcc1">
-    <dgm:scene3d>
-      <a:camera prst="orthographicFront"/>
-      <a:lightRig rig="threePt" dir="t"/>
-    </dgm:scene3d>
-    <dgm:sp3d/>
-    <dgm:txPr/>
-    <dgm:style>
-      <a:lnRef idx="1">
-        <a:scrgbClr r="0" g="0" b="0"/>
-      </a:lnRef>
-      <a:fillRef idx="1">
-        <a:scrgbClr r="0" g="0" b="0"/>
-      </a:fillRef>
-      <a:effectRef idx="0">
-        <a:scrgbClr r="0" g="0" b="0"/>
-      </a:effectRef>
-      <a:fontRef idx="minor"/>
-    </dgm:style>
-  </dgm:styleLbl>
-  <dgm:styleLbl name="bgAcc1">
-    <dgm:scene3d>
-      <a:camera prst="orthographicFront"/>
-      <a:lightRig rig="threePt" dir="t"/>
-    </dgm:scene3d>
-    <dgm:sp3d/>
-    <dgm:txPr/>
-    <dgm:style>
-      <a:lnRef idx="2">
-        <a:scrgbClr r="0" g="0" b="0"/>
-      </a:lnRef>
-      <a:fillRef idx="1">
-        <a:scrgbClr r="0" g="0" b="0"/>
-      </a:fillRef>
-      <a:effectRef idx="0">
-        <a:scrgbClr r="0" g="0" b="0"/>
-      </a:effectRef>
-      <a:fontRef idx="minor"/>
-    </dgm:style>
-  </dgm:styleLbl>
-  <dgm:styleLbl name="solidFgAcc1">
-    <dgm:scene3d>
-      <a:camera prst="orthographicFront"/>
-      <a:lightRig rig="threePt" dir="t"/>
-    </dgm:scene3d>
-    <dgm:sp3d/>
-    <dgm:txPr/>
-    <dgm:style>
-      <a:lnRef idx="2">
-        <a:scrgbClr r="0" g="0" b="0"/>
-      </a:lnRef>
-      <a:fillRef idx="1">
-        <a:scrgbClr r="0" g="0" b="0"/>
-      </a:fillRef>
-      <a:effectRef idx="0">
-        <a:scrgbClr r="0" g="0" b="0"/>
-      </a:effectRef>
-      <a:fontRef idx="minor"/>
-    </dgm:style>
-  </dgm:styleLbl>
-  <dgm:styleLbl name="solidAlignAcc1">
-    <dgm:scene3d>
-      <a:camera prst="orthographicFront"/>
-      <a:lightRig rig="threePt" dir="t"/>
-    </dgm:scene3d>
-    <dgm:sp3d/>
-    <dgm:txPr/>
-    <dgm:style>
-      <a:lnRef idx="2">
-        <a:scrgbClr r="0" g="0" b="0"/>
-      </a:lnRef>
-      <a:fillRef idx="1">
-        <a:scrgbClr r="0" g="0" b="0"/>
-      </a:fillRef>
-      <a:effectRef idx="0">
-        <a:scrgbClr r="0" g="0" b="0"/>
-      </a:effectRef>
-      <a:fontRef idx="minor"/>
-    </dgm:style>
-  </dgm:styleLbl>
-  <dgm:styleLbl name="solidBgAcc1">
-    <dgm:scene3d>
-      <a:camera prst="orthographicFront"/>
-      <a:lightRig rig="threePt" dir="t"/>
-    </dgm:scene3d>
-    <dgm:sp3d/>
-    <dgm:txPr/>
-    <dgm:style>
-      <a:lnRef idx="2">
-        <a:scrgbClr r="0" g="0" b="0"/>
-      </a:lnRef>
-      <a:fillRef idx="1">
-        <a:scrgbClr r="0" g="0" b="0"/>
-      </a:fillRef>
-      <a:effectRef idx="0">
-        <a:scrgbClr r="0" g="0" b="0"/>
-      </a:effectRef>
-      <a:fontRef idx="minor"/>
-    </dgm:style>
-  </dgm:styleLbl>
-  <dgm:styleLbl name="fgAccFollowNode1">
-    <dgm:scene3d>
-      <a:camera prst="orthographicFront"/>
-      <a:lightRig rig="threePt" dir="t"/>
-    </dgm:scene3d>
-    <dgm:sp3d/>
-    <dgm:txPr/>
-    <dgm:style>
-      <a:lnRef idx="2">
-        <a:scrgbClr r="0" g="0" b="0"/>
-      </a:lnRef>
-      <a:fillRef idx="1">
-        <a:scrgbClr r="0" g="0" b="0"/>
-      </a:fillRef>
-      <a:effectRef idx="0">
-        <a:scrgbClr r="0" g="0" b="0"/>
-      </a:effectRef>
-      <a:fontRef idx="minor"/>
-    </dgm:style>
-  </dgm:styleLbl>
-  <dgm:styleLbl name="alignAccFollowNode1">
-    <dgm:scene3d>
-      <a:camera prst="orthographicFront"/>
-      <a:lightRig rig="threePt" dir="t"/>
-    </dgm:scene3d>
-    <dgm:sp3d/>
-    <dgm:txPr/>
-    <dgm:style>
-      <a:lnRef idx="2">
-        <a:scrgbClr r="0" g="0" b="0"/>
-      </a:lnRef>
-      <a:fillRef idx="1">
-        <a:scrgbClr r="0" g="0" b="0"/>
-      </a:fillRef>
-      <a:effectRef idx="0">
-        <a:scrgbClr r="0" g="0" b="0"/>
-      </a:effectRef>
-      <a:fontRef idx="minor"/>
-    </dgm:style>
-  </dgm:styleLbl>
-  <dgm:styleLbl name="bgAccFollowNode1">
-    <dgm:scene3d>
-      <a:camera prst="orthographicFront"/>
-      <a:lightRig rig="threePt" dir="t"/>
-    </dgm:scene3d>
-    <dgm:sp3d/>
-    <dgm:txPr/>
-    <dgm:style>
-      <a:lnRef idx="2">
-        <a:scrgbClr r="0" g="0" b="0"/>
-      </a:lnRef>
-      <a:fillRef idx="1">
-        <a:scrgbClr r="0" g="0" b="0"/>
-      </a:fillRef>
-      <a:effectRef idx="0">
-        <a:scrgbClr r="0" g="0" b="0"/>
-      </a:effectRef>
-      <a:fontRef idx="minor"/>
-    </dgm:style>
-  </dgm:styleLbl>
-  <dgm:styleLbl name="fgAcc0">
-    <dgm:scene3d>
-      <a:camera prst="orthographicFront"/>
-      <a:lightRig rig="threePt" dir="t"/>
-    </dgm:scene3d>
-    <dgm:sp3d/>
-    <dgm:txPr/>
-    <dgm:style>
-      <a:lnRef idx="2">
-        <a:scrgbClr r="0" g="0" b="0"/>
-      </a:lnRef>
-      <a:fillRef idx="1">
-        <a:scrgbClr r="0" g="0" b="0"/>
-      </a:fillRef>
-      <a:effectRef idx="0">
-        <a:scrgbClr r="0" g="0" b="0"/>
-      </a:effectRef>
-      <a:fontRef idx="minor"/>
-    </dgm:style>
-  </dgm:styleLbl>
-  <dgm:styleLbl name="fgAcc2">
-    <dgm:scene3d>
-      <a:camera prst="orthographicFront"/>
-      <a:lightRig rig="threePt" dir="t"/>
-    </dgm:scene3d>
-    <dgm:sp3d/>
-    <dgm:txPr/>
-    <dgm:style>
-      <a:lnRef idx="2">
-        <a:scrgbClr r="0" g="0" b="0"/>
-      </a:lnRef>
-      <a:fillRef idx="1">
-        <a:scrgbClr r="0" g="0" b="0"/>
-      </a:fillRef>
-      <a:effectRef idx="0">
-        <a:scrgbClr r="0" g="0" b="0"/>
-      </a:effectRef>
-      <a:fontRef idx="minor"/>
-    </dgm:style>
-  </dgm:styleLbl>
-  <dgm:styleLbl name="fgAcc3">
-    <dgm:scene3d>
-      <a:camera prst="orthographicFront"/>
-      <a:lightRig rig="threePt" dir="t"/>
-    </dgm:scene3d>
-    <dgm:sp3d/>
-    <dgm:txPr/>
-    <dgm:style>
-      <a:lnRef idx="2">
-        <a:scrgbClr r="0" g="0" b="0"/>
-      </a:lnRef>
-      <a:fillRef idx="1">
-        <a:scrgbClr r="0" g="0" b="0"/>
-      </a:fillRef>
-      <a:effectRef idx="0">
-        <a:scrgbClr r="0" g="0" b="0"/>
-      </a:effectRef>
-      <a:fontRef idx="minor"/>
-    </dgm:style>
-  </dgm:styleLbl>
-  <dgm:styleLbl name="fgAcc4">
-    <dgm:scene3d>
-      <a:camera prst="orthographicFront"/>
-      <a:lightRig rig="threePt" dir="t"/>
-    </dgm:scene3d>
-    <dgm:sp3d/>
-    <dgm:txPr/>
-    <dgm:style>
-      <a:lnRef idx="2">
-        <a:scrgbClr r="0" g="0" b="0"/>
-      </a:lnRef>
-      <a:fillRef idx="1">
-        <a:scrgbClr r="0" g="0" b="0"/>
-      </a:fillRef>
-      <a:effectRef idx="0">
-        <a:scrgbClr r="0" g="0" b="0"/>
-      </a:effectRef>
-      <a:fontRef idx="minor"/>
-    </dgm:style>
-  </dgm:styleLbl>
-  <dgm:styleLbl name="bgShp">
-    <dgm:scene3d>
-      <a:camera prst="orthographicFront"/>
-      <a:lightRig rig="threePt" dir="t"/>
-    </dgm:scene3d>
-    <dgm:sp3d/>
-    <dgm:txPr/>
-    <dgm:style>
-      <a:lnRef idx="0">
-        <a:scrgbClr r="0" g="0" b="0"/>
-      </a:lnRef>
-      <a:fillRef idx="1">
-        <a:scrgbClr r="0" g="0" b="0"/>
-      </a:fillRef>
-      <a:effectRef idx="0">
-        <a:scrgbClr r="0" g="0" b="0"/>
-      </a:effectRef>
-      <a:fontRef idx="minor"/>
-    </dgm:style>
-  </dgm:styleLbl>
-  <dgm:styleLbl name="dkBgShp">
-    <dgm:scene3d>
-      <a:camera prst="orthographicFront"/>
-      <a:lightRig rig="threePt" dir="t"/>
-    </dgm:scene3d>
-    <dgm:sp3d/>
-    <dgm:txPr/>
-    <dgm:style>
-      <a:lnRef idx="0">
-        <a:scrgbClr r="0" g="0" b="0"/>
-      </a:lnRef>
-      <a:fillRef idx="1">
-        <a:scrgbClr r="0" g="0" b="0"/>
-      </a:fillRef>
-      <a:effectRef idx="0">
-        <a:scrgbClr r="0" g="0" b="0"/>
-      </a:effectRef>
-      <a:fontRef idx="minor"/>
-    </dgm:style>
-  </dgm:styleLbl>
-  <dgm:styleLbl name="trBgShp">
-    <dgm:scene3d>
-      <a:camera prst="orthographicFront"/>
-      <a:lightRig rig="threePt" dir="t"/>
-    </dgm:scene3d>
-    <dgm:sp3d/>
-    <dgm:txPr/>
-    <dgm:style>
-      <a:lnRef idx="0">
-        <a:scrgbClr r="0" g="0" b="0"/>
-      </a:lnRef>
-      <a:fillRef idx="1">
-        <a:scrgbClr r="0" g="0" b="0"/>
-      </a:fillRef>
-      <a:effectRef idx="0">
-        <a:scrgbClr r="0" g="0" b="0"/>
-      </a:effectRef>
-      <a:fontRef idx="minor"/>
-    </dgm:style>
-  </dgm:styleLbl>
-  <dgm:styleLbl name="fgShp">
-    <dgm:scene3d>
-      <a:camera prst="orthographicFront"/>
-      <a:lightRig rig="threePt" dir="t"/>
-    </dgm:scene3d>
-    <dgm:sp3d/>
-    <dgm:txPr/>
-    <dgm:style>
-      <a:lnRef idx="2">
-        <a:scrgbClr r="0" g="0" b="0"/>
-      </a:lnRef>
-      <a:fillRef idx="1">
-        <a:scrgbClr r="0" g="0" b="0"/>
-      </a:fillRef>
-      <a:effectRef idx="0">
-        <a:scrgbClr r="0" g="0" b="0"/>
-      </a:effectRef>
-      <a:fontRef idx="minor"/>
-    </dgm:style>
-  </dgm:styleLbl>
-  <dgm:styleLbl name="revTx">
-    <dgm:scene3d>
-      <a:camera prst="orthographicFront"/>
-      <a:lightRig rig="threePt" dir="t"/>
-    </dgm:scene3d>
-    <dgm:sp3d/>
-    <dgm:txPr/>
-    <dgm:style>
-      <a:lnRef idx="0">
-        <a:scrgbClr r="0" g="0" b="0"/>
-      </a:lnRef>
-      <a:fillRef idx="0">
-        <a:scrgbClr r="0" g="0" b="0"/>
-      </a:fillRef>
-      <a:effectRef idx="0">
-        <a:scrgbClr r="0" g="0" b="0"/>
-      </a:effectRef>
-      <a:fontRef idx="minor"/>
-    </dgm:style>
-  </dgm:styleLbl>
-</dgm:styleDef>
 </file>
 
 <file path=ppt/slideLayouts/slideLayout1.xml><?xml version="1.0" encoding="utf-8"?>
@@ -8266,102 +5720,6 @@
       </p:grpSpPr>
       <p:sp>
         <p:nvSpPr>
-          <p:cNvPr id="4" name="TextBox 3">
-            <a:extLst>
-              <a:ext uri="{FF2B5EF4-FFF2-40B4-BE49-F238E27FC236}">
-                <a16:creationId xmlns:a16="http://schemas.microsoft.com/office/drawing/2014/main" id="{F137231E-9B40-444C-9C08-B80ED15CE4ED}"/>
-              </a:ext>
-            </a:extLst>
-          </p:cNvPr>
-          <p:cNvSpPr txBox="1"/>
-          <p:nvPr/>
-        </p:nvSpPr>
-        <p:spPr>
-          <a:xfrm>
-            <a:off x="1269506" y="2951946"/>
-            <a:ext cx="3080551" cy="954107"/>
-          </a:xfrm>
-          <a:prstGeom prst="rect">
-            <a:avLst/>
-          </a:prstGeom>
-          <a:noFill/>
-        </p:spPr>
-        <p:txBody>
-          <a:bodyPr wrap="square" rtlCol="0">
-            <a:spAutoFit/>
-          </a:bodyPr>
-          <a:lstStyle/>
-          <a:p>
-            <a:r>
-              <a:rPr lang="en-US" sz="2800" b="1" dirty="0"/>
-              <a:t>OVERALL ARCHITECTURE</a:t>
-            </a:r>
-            <a:endParaRPr lang="en-IN" sz="2800" b="1" dirty="0"/>
-          </a:p>
-        </p:txBody>
-      </p:sp>
-      <p:pic>
-        <p:nvPicPr>
-          <p:cNvPr id="6" name="Picture 5">
-            <a:extLst>
-              <a:ext uri="{FF2B5EF4-FFF2-40B4-BE49-F238E27FC236}">
-                <a16:creationId xmlns:a16="http://schemas.microsoft.com/office/drawing/2014/main" id="{BD8AF015-3ECC-47DC-AD4C-9CB867CA0BE8}"/>
-              </a:ext>
-            </a:extLst>
-          </p:cNvPr>
-          <p:cNvPicPr>
-            <a:picLocks noChangeAspect="1"/>
-          </p:cNvPicPr>
-          <p:nvPr/>
-        </p:nvPicPr>
-        <p:blipFill>
-          <a:blip r:embed="rId2"/>
-          <a:stretch>
-            <a:fillRect/>
-          </a:stretch>
-        </p:blipFill>
-        <p:spPr>
-          <a:xfrm>
-            <a:off x="5287740" y="1135251"/>
-            <a:ext cx="5634754" cy="4741766"/>
-          </a:xfrm>
-          <a:prstGeom prst="rect">
-            <a:avLst/>
-          </a:prstGeom>
-        </p:spPr>
-      </p:pic>
-    </p:spTree>
-    <p:extLst>
-      <p:ext uri="{BB962C8B-B14F-4D97-AF65-F5344CB8AC3E}">
-        <p14:creationId xmlns:p14="http://schemas.microsoft.com/office/powerpoint/2010/main" val="1495843869"/>
-      </p:ext>
-    </p:extLst>
-  </p:cSld>
-  <p:clrMapOvr>
-    <a:masterClrMapping/>
-  </p:clrMapOvr>
-</p:sld>
-</file>
-
-<file path=ppt/slides/slide11.xml><?xml version="1.0" encoding="utf-8"?>
-<p:sld xmlns:a="http://schemas.openxmlformats.org/drawingml/2006/main" xmlns:r="http://schemas.openxmlformats.org/officeDocument/2006/relationships" xmlns:p="http://schemas.openxmlformats.org/presentationml/2006/main">
-  <p:cSld>
-    <p:spTree>
-      <p:nvGrpSpPr>
-        <p:cNvPr id="1" name=""/>
-        <p:cNvGrpSpPr/>
-        <p:nvPr/>
-      </p:nvGrpSpPr>
-      <p:grpSpPr>
-        <a:xfrm>
-          <a:off x="0" y="0"/>
-          <a:ext cx="0" cy="0"/>
-          <a:chOff x="0" y="0"/>
-          <a:chExt cx="0" cy="0"/>
-        </a:xfrm>
-      </p:grpSpPr>
-      <p:sp>
-        <p:nvSpPr>
           <p:cNvPr id="5" name="Title 3">
             <a:extLst>
               <a:ext uri="{FF2B5EF4-FFF2-40B4-BE49-F238E27FC236}">
@@ -9019,7 +6377,7 @@
 </p:sld>
 </file>
 
-<file path=ppt/slides/slide12.xml><?xml version="1.0" encoding="utf-8"?>
+<file path=ppt/slides/slide11.xml><?xml version="1.0" encoding="utf-8"?>
 <p:sld xmlns:a="http://schemas.openxmlformats.org/drawingml/2006/main" xmlns:r="http://schemas.openxmlformats.org/officeDocument/2006/relationships" xmlns:p="http://schemas.openxmlformats.org/presentationml/2006/main">
   <p:cSld>
     <p:spTree>
@@ -9157,7 +6515,7 @@
 </p:sld>
 </file>
 
-<file path=ppt/slides/slide13.xml><?xml version="1.0" encoding="utf-8"?>
+<file path=ppt/slides/slide12.xml><?xml version="1.0" encoding="utf-8"?>
 <p:sld xmlns:a="http://schemas.openxmlformats.org/drawingml/2006/main" xmlns:r="http://schemas.openxmlformats.org/officeDocument/2006/relationships" xmlns:p="http://schemas.openxmlformats.org/presentationml/2006/main">
   <p:cSld>
     <p:spTree>
@@ -10462,7 +7820,7 @@
 </p:sld>
 </file>
 
-<file path=ppt/slides/slide14.xml><?xml version="1.0" encoding="utf-8"?>
+<file path=ppt/slides/slide13.xml><?xml version="1.0" encoding="utf-8"?>
 <p:sld xmlns:a="http://schemas.openxmlformats.org/drawingml/2006/main" xmlns:r="http://schemas.openxmlformats.org/officeDocument/2006/relationships" xmlns:p="http://schemas.openxmlformats.org/presentationml/2006/main">
   <p:cSld>
     <p:spTree>
@@ -10553,7 +7911,7 @@
                   </a:extLst>
                 </a:gridCol>
               </a:tblGrid>
-              <a:tr h="160020">
+              <a:tr h="0">
                 <a:tc>
                   <a:txBody>
                     <a:bodyPr/>
@@ -10716,7 +8074,7 @@
                   </a:ext>
                 </a:extLst>
               </a:tr>
-              <a:tr h="160020">
+              <a:tr h="0">
                 <a:tc>
                   <a:txBody>
                     <a:bodyPr/>
@@ -10879,7 +8237,7 @@
                   </a:ext>
                 </a:extLst>
               </a:tr>
-              <a:tr h="160020">
+              <a:tr h="0">
                 <a:tc>
                   <a:txBody>
                     <a:bodyPr/>
@@ -11042,7 +8400,7 @@
                   </a:ext>
                 </a:extLst>
               </a:tr>
-              <a:tr h="160020">
+              <a:tr h="0">
                 <a:tc>
                   <a:txBody>
                     <a:bodyPr/>
@@ -11205,7 +8563,7 @@
                   </a:ext>
                 </a:extLst>
               </a:tr>
-              <a:tr h="160020">
+              <a:tr h="0">
                 <a:tc>
                   <a:txBody>
                     <a:bodyPr/>
@@ -11368,7 +8726,7 @@
                   </a:ext>
                 </a:extLst>
               </a:tr>
-              <a:tr h="160020">
+              <a:tr h="0">
                 <a:tc>
                   <a:txBody>
                     <a:bodyPr/>
@@ -11531,7 +8889,7 @@
                   </a:ext>
                 </a:extLst>
               </a:tr>
-              <a:tr h="160020">
+              <a:tr h="0">
                 <a:tc>
                   <a:txBody>
                     <a:bodyPr/>
@@ -11694,7 +9052,7 @@
                   </a:ext>
                 </a:extLst>
               </a:tr>
-              <a:tr h="160020">
+              <a:tr h="0">
                 <a:tc>
                   <a:txBody>
                     <a:bodyPr/>
@@ -11910,7 +9268,7 @@
 </p:sld>
 </file>
 
-<file path=ppt/slides/slide15.xml><?xml version="1.0" encoding="utf-8"?>
+<file path=ppt/slides/slide14.xml><?xml version="1.0" encoding="utf-8"?>
 <p:sld xmlns:a="http://schemas.openxmlformats.org/drawingml/2006/main" xmlns:r="http://schemas.openxmlformats.org/officeDocument/2006/relationships" xmlns:p="http://schemas.openxmlformats.org/presentationml/2006/main">
   <p:cSld>
     <p:spTree>
@@ -12074,7 +9432,7 @@
 </p:sld>
 </file>
 
-<file path=ppt/slides/slide16.xml><?xml version="1.0" encoding="utf-8"?>
+<file path=ppt/slides/slide15.xml><?xml version="1.0" encoding="utf-8"?>
 <p:sld xmlns:a="http://schemas.openxmlformats.org/drawingml/2006/main" xmlns:r="http://schemas.openxmlformats.org/officeDocument/2006/relationships" xmlns:p="http://schemas.openxmlformats.org/presentationml/2006/main">
   <p:cSld>
     <p:spTree>
@@ -12143,111 +9501,6 @@
 <file path=ppt/slides/slide2.xml><?xml version="1.0" encoding="utf-8"?>
 <p:sld xmlns:a="http://schemas.openxmlformats.org/drawingml/2006/main" xmlns:r="http://schemas.openxmlformats.org/officeDocument/2006/relationships" xmlns:p="http://schemas.openxmlformats.org/presentationml/2006/main">
   <p:cSld>
-    <p:bg>
-      <p:bgPr>
-        <a:solidFill>
-          <a:srgbClr val="EDEFF7"/>
-        </a:solidFill>
-        <a:effectLst/>
-      </p:bgPr>
-    </p:bg>
-    <p:spTree>
-      <p:nvGrpSpPr>
-        <p:cNvPr id="1" name=""/>
-        <p:cNvGrpSpPr/>
-        <p:nvPr/>
-      </p:nvGrpSpPr>
-      <p:grpSpPr>
-        <a:xfrm>
-          <a:off x="0" y="0"/>
-          <a:ext cx="0" cy="0"/>
-          <a:chOff x="0" y="0"/>
-          <a:chExt cx="0" cy="0"/>
-        </a:xfrm>
-      </p:grpSpPr>
-      <p:sp>
-        <p:nvSpPr>
-          <p:cNvPr id="19" name="Title 18">
-            <a:extLst>
-              <a:ext uri="{FF2B5EF4-FFF2-40B4-BE49-F238E27FC236}">
-                <a16:creationId xmlns:a16="http://schemas.microsoft.com/office/drawing/2014/main" id="{55BA9AC8-EA60-644D-9DDA-B76203EA1E87}"/>
-              </a:ext>
-            </a:extLst>
-          </p:cNvPr>
-          <p:cNvSpPr>
-            <a:spLocks noGrp="1"/>
-          </p:cNvSpPr>
-          <p:nvPr>
-            <p:ph type="title"/>
-          </p:nvPr>
-        </p:nvSpPr>
-        <p:spPr>
-          <a:xfrm>
-            <a:off x="444500" y="3135208"/>
-            <a:ext cx="3641725" cy="587584"/>
-          </a:xfrm>
-        </p:spPr>
-        <p:txBody>
-          <a:bodyPr>
-            <a:normAutofit fontScale="90000"/>
-          </a:bodyPr>
-          <a:lstStyle/>
-          <a:p>
-            <a:r>
-              <a:rPr lang="en-US" b="1" dirty="0">
-                <a:solidFill>
-                  <a:schemeClr val="tx1"/>
-                </a:solidFill>
-              </a:rPr>
-              <a:t>Introduction(TEMP)</a:t>
-            </a:r>
-          </a:p>
-        </p:txBody>
-      </p:sp>
-      <p:graphicFrame>
-        <p:nvGraphicFramePr>
-          <p:cNvPr id="2" name="Diagram 1">
-            <a:extLst>
-              <a:ext uri="{FF2B5EF4-FFF2-40B4-BE49-F238E27FC236}">
-                <a16:creationId xmlns:a16="http://schemas.microsoft.com/office/drawing/2014/main" id="{60026D45-92BC-49D3-A403-CE75D68BB316}"/>
-              </a:ext>
-            </a:extLst>
-          </p:cNvPr>
-          <p:cNvGraphicFramePr/>
-          <p:nvPr>
-            <p:extLst>
-              <p:ext uri="{D42A27DB-BD31-4B8C-83A1-F6EECF244321}">
-                <p14:modId xmlns:p14="http://schemas.microsoft.com/office/powerpoint/2010/main" val="2836303339"/>
-              </p:ext>
-            </p:extLst>
-          </p:nvPr>
-        </p:nvGraphicFramePr>
-        <p:xfrm>
-          <a:off x="3952875" y="1121093"/>
-          <a:ext cx="7286256" cy="4832032"/>
-        </p:xfrm>
-        <a:graphic>
-          <a:graphicData uri="http://schemas.openxmlformats.org/drawingml/2006/diagram">
-            <dgm:relIds xmlns:dgm="http://schemas.openxmlformats.org/drawingml/2006/diagram" xmlns:r="http://schemas.openxmlformats.org/officeDocument/2006/relationships" r:dm="rId2" r:lo="rId3" r:qs="rId4" r:cs="rId5"/>
-          </a:graphicData>
-        </a:graphic>
-      </p:graphicFrame>
-    </p:spTree>
-    <p:extLst>
-      <p:ext uri="{BB962C8B-B14F-4D97-AF65-F5344CB8AC3E}">
-        <p14:creationId xmlns:p14="http://schemas.microsoft.com/office/powerpoint/2010/main" val="3321956371"/>
-      </p:ext>
-    </p:extLst>
-  </p:cSld>
-  <p:clrMapOvr>
-    <a:masterClrMapping/>
-  </p:clrMapOvr>
-</p:sld>
-</file>
-
-<file path=ppt/slides/slide3.xml><?xml version="1.0" encoding="utf-8"?>
-<p:sld xmlns:a="http://schemas.openxmlformats.org/drawingml/2006/main" xmlns:r="http://schemas.openxmlformats.org/officeDocument/2006/relationships" xmlns:p="http://schemas.openxmlformats.org/presentationml/2006/main">
-  <p:cSld>
     <p:spTree>
       <p:nvGrpSpPr>
         <p:cNvPr id="1" name=""/>
@@ -12541,7 +9794,7 @@
 </p:sld>
 </file>
 
-<file path=ppt/slides/slide4.xml><?xml version="1.0" encoding="utf-8"?>
+<file path=ppt/slides/slide3.xml><?xml version="1.0" encoding="utf-8"?>
 <p:sld xmlns:a="http://schemas.openxmlformats.org/drawingml/2006/main" xmlns:r="http://schemas.openxmlformats.org/officeDocument/2006/relationships" xmlns:p="http://schemas.openxmlformats.org/presentationml/2006/main">
   <p:cSld>
     <p:spTree>
@@ -12713,7 +9966,7 @@
 </p:sld>
 </file>
 
-<file path=ppt/slides/slide5.xml><?xml version="1.0" encoding="utf-8"?>
+<file path=ppt/slides/slide4.xml><?xml version="1.0" encoding="utf-8"?>
 <p:sld xmlns:a="http://schemas.openxmlformats.org/drawingml/2006/main" xmlns:r="http://schemas.openxmlformats.org/officeDocument/2006/relationships" xmlns:p="http://schemas.openxmlformats.org/presentationml/2006/main">
   <p:cSld>
     <p:spTree>
@@ -12996,13 +10249,7 @@
                 </a:r>
                 <a:r>
                   <a:rPr lang="en-US" dirty="0"/>
-                  <a:t> is the relative weight of the parameters. The values of IWQI are in range 0 – 100 which can be divided into classes as shown in Table </a:t>
-                </a:r>
-                <a:r>
-                  <a:rPr lang="en-US" dirty="0">
-                    <a:hlinkClick r:id="rId2" action="ppaction://hlinksldjump"/>
-                  </a:rPr>
-                  <a:t>1</a:t>
+                  <a:t> is the relative weight of the parameters. The values of IWQI are in range 0 – 100 which can be divided into classes as shown in Table 1</a:t>
                 </a:r>
                 <a:endParaRPr lang="en-US" baseline="-25000" dirty="0"/>
               </a:p>
@@ -13033,7 +10280,7 @@
                 <a:avLst/>
               </a:prstGeom>
               <a:blipFill>
-                <a:blip r:embed="rId3"/>
+                <a:blip r:embed="rId2"/>
                 <a:stretch>
                   <a:fillRect l="-449" t="-1071" r="-1027" b="-11607"/>
                 </a:stretch>
@@ -13067,7 +10314,7 @@
 </p:sld>
 </file>
 
-<file path=ppt/slides/slide6.xml><?xml version="1.0" encoding="utf-8"?>
+<file path=ppt/slides/slide5.xml><?xml version="1.0" encoding="utf-8"?>
 <p:sld xmlns:a="http://schemas.openxmlformats.org/drawingml/2006/main" xmlns:r="http://schemas.openxmlformats.org/officeDocument/2006/relationships" xmlns:p="http://schemas.openxmlformats.org/presentationml/2006/main">
   <p:cSld>
     <p:spTree>
@@ -13700,7 +10947,7 @@
 </p:sld>
 </file>
 
-<file path=ppt/slides/slide7.xml><?xml version="1.0" encoding="utf-8"?>
+<file path=ppt/slides/slide6.xml><?xml version="1.0" encoding="utf-8"?>
 <p:sld xmlns:a="http://schemas.openxmlformats.org/drawingml/2006/main" xmlns:r="http://schemas.openxmlformats.org/officeDocument/2006/relationships" xmlns:p="http://schemas.openxmlformats.org/presentationml/2006/main">
   <p:cSld>
     <p:bg>
@@ -14361,7 +11608,7 @@
 </p:sld>
 </file>
 
-<file path=ppt/slides/slide8.xml><?xml version="1.0" encoding="utf-8"?>
+<file path=ppt/slides/slide7.xml><?xml version="1.0" encoding="utf-8"?>
 <p:sld xmlns:a="http://schemas.openxmlformats.org/drawingml/2006/main" xmlns:r="http://schemas.openxmlformats.org/officeDocument/2006/relationships" xmlns:p="http://schemas.openxmlformats.org/presentationml/2006/main">
   <p:cSld>
     <p:spTree>
@@ -14589,7 +11836,7 @@
 </p:sld>
 </file>
 
-<file path=ppt/slides/slide9.xml><?xml version="1.0" encoding="utf-8"?>
+<file path=ppt/slides/slide8.xml><?xml version="1.0" encoding="utf-8"?>
 <p:sld xmlns:a="http://schemas.openxmlformats.org/drawingml/2006/main" xmlns:r="http://schemas.openxmlformats.org/officeDocument/2006/relationships" xmlns:p="http://schemas.openxmlformats.org/presentationml/2006/main">
   <p:cSld>
     <p:spTree>
@@ -14687,7 +11934,7 @@
                   </a:extLst>
                 </a:gridCol>
               </a:tblGrid>
-              <a:tr h="160020">
+              <a:tr h="0">
                 <a:tc>
                   <a:txBody>
                     <a:bodyPr/>
@@ -14848,7 +12095,7 @@
                   </a:ext>
                 </a:extLst>
               </a:tr>
-              <a:tr h="160020">
+              <a:tr h="0">
                 <a:tc>
                   <a:txBody>
                     <a:bodyPr/>
@@ -14997,7 +12244,7 @@
                   </a:ext>
                 </a:extLst>
               </a:tr>
-              <a:tr h="160020">
+              <a:tr h="0">
                 <a:tc>
                   <a:txBody>
                     <a:bodyPr/>
@@ -15146,7 +12393,7 @@
                   </a:ext>
                 </a:extLst>
               </a:tr>
-              <a:tr h="160020">
+              <a:tr h="0">
                 <a:tc>
                   <a:txBody>
                     <a:bodyPr/>
@@ -15286,7 +12533,7 @@
                   </a:ext>
                 </a:extLst>
               </a:tr>
-              <a:tr h="160020">
+              <a:tr h="0">
                 <a:tc>
                   <a:txBody>
                     <a:bodyPr/>
@@ -15435,7 +12682,7 @@
                   </a:ext>
                 </a:extLst>
               </a:tr>
-              <a:tr h="160020">
+              <a:tr h="0">
                 <a:tc>
                   <a:txBody>
                     <a:bodyPr/>
@@ -15575,7 +12822,7 @@
                   </a:ext>
                 </a:extLst>
               </a:tr>
-              <a:tr h="160020">
+              <a:tr h="0">
                 <a:tc>
                   <a:txBody>
                     <a:bodyPr/>
@@ -15795,6 +13042,102 @@
     <p:extLst>
       <p:ext uri="{BB962C8B-B14F-4D97-AF65-F5344CB8AC3E}">
         <p14:creationId xmlns:p14="http://schemas.microsoft.com/office/powerpoint/2010/main" val="1595258980"/>
+      </p:ext>
+    </p:extLst>
+  </p:cSld>
+  <p:clrMapOvr>
+    <a:masterClrMapping/>
+  </p:clrMapOvr>
+</p:sld>
+</file>
+
+<file path=ppt/slides/slide9.xml><?xml version="1.0" encoding="utf-8"?>
+<p:sld xmlns:a="http://schemas.openxmlformats.org/drawingml/2006/main" xmlns:r="http://schemas.openxmlformats.org/officeDocument/2006/relationships" xmlns:p="http://schemas.openxmlformats.org/presentationml/2006/main">
+  <p:cSld>
+    <p:spTree>
+      <p:nvGrpSpPr>
+        <p:cNvPr id="1" name=""/>
+        <p:cNvGrpSpPr/>
+        <p:nvPr/>
+      </p:nvGrpSpPr>
+      <p:grpSpPr>
+        <a:xfrm>
+          <a:off x="0" y="0"/>
+          <a:ext cx="0" cy="0"/>
+          <a:chOff x="0" y="0"/>
+          <a:chExt cx="0" cy="0"/>
+        </a:xfrm>
+      </p:grpSpPr>
+      <p:sp>
+        <p:nvSpPr>
+          <p:cNvPr id="4" name="TextBox 3">
+            <a:extLst>
+              <a:ext uri="{FF2B5EF4-FFF2-40B4-BE49-F238E27FC236}">
+                <a16:creationId xmlns:a16="http://schemas.microsoft.com/office/drawing/2014/main" id="{F137231E-9B40-444C-9C08-B80ED15CE4ED}"/>
+              </a:ext>
+            </a:extLst>
+          </p:cNvPr>
+          <p:cNvSpPr txBox="1"/>
+          <p:nvPr/>
+        </p:nvSpPr>
+        <p:spPr>
+          <a:xfrm>
+            <a:off x="1269506" y="2951946"/>
+            <a:ext cx="3080551" cy="954107"/>
+          </a:xfrm>
+          <a:prstGeom prst="rect">
+            <a:avLst/>
+          </a:prstGeom>
+          <a:noFill/>
+        </p:spPr>
+        <p:txBody>
+          <a:bodyPr wrap="square" rtlCol="0">
+            <a:spAutoFit/>
+          </a:bodyPr>
+          <a:lstStyle/>
+          <a:p>
+            <a:r>
+              <a:rPr lang="en-US" sz="2800" b="1" dirty="0"/>
+              <a:t>OVERALL ARCHITECTURE</a:t>
+            </a:r>
+            <a:endParaRPr lang="en-IN" sz="2800" b="1" dirty="0"/>
+          </a:p>
+        </p:txBody>
+      </p:sp>
+      <p:pic>
+        <p:nvPicPr>
+          <p:cNvPr id="6" name="Picture 5">
+            <a:extLst>
+              <a:ext uri="{FF2B5EF4-FFF2-40B4-BE49-F238E27FC236}">
+                <a16:creationId xmlns:a16="http://schemas.microsoft.com/office/drawing/2014/main" id="{BD8AF015-3ECC-47DC-AD4C-9CB867CA0BE8}"/>
+              </a:ext>
+            </a:extLst>
+          </p:cNvPr>
+          <p:cNvPicPr>
+            <a:picLocks noChangeAspect="1"/>
+          </p:cNvPicPr>
+          <p:nvPr/>
+        </p:nvPicPr>
+        <p:blipFill>
+          <a:blip r:embed="rId2"/>
+          <a:stretch>
+            <a:fillRect/>
+          </a:stretch>
+        </p:blipFill>
+        <p:spPr>
+          <a:xfrm>
+            <a:off x="5287740" y="1135251"/>
+            <a:ext cx="5634754" cy="4741766"/>
+          </a:xfrm>
+          <a:prstGeom prst="rect">
+            <a:avLst/>
+          </a:prstGeom>
+        </p:spPr>
+      </p:pic>
+    </p:spTree>
+    <p:extLst>
+      <p:ext uri="{BB962C8B-B14F-4D97-AF65-F5344CB8AC3E}">
+        <p14:creationId xmlns:p14="http://schemas.microsoft.com/office/powerpoint/2010/main" val="1495843869"/>
       </p:ext>
     </p:extLst>
   </p:cSld>
